--- a/Proposal/proposal_slides.pptx
+++ b/Proposal/proposal_slides.pptx
@@ -8,10 +8,10 @@
     <p:sldId id="256" r:id="rId2"/>
     <p:sldId id="257" r:id="rId3"/>
     <p:sldId id="258" r:id="rId4"/>
-    <p:sldId id="259" r:id="rId5"/>
-    <p:sldId id="262" r:id="rId6"/>
-    <p:sldId id="260" r:id="rId7"/>
-    <p:sldId id="264" r:id="rId8"/>
+    <p:sldId id="266" r:id="rId5"/>
+    <p:sldId id="267" r:id="rId6"/>
+    <p:sldId id="268" r:id="rId7"/>
+    <p:sldId id="260" r:id="rId8"/>
     <p:sldId id="261" r:id="rId9"/>
     <p:sldId id="263" r:id="rId10"/>
     <p:sldId id="265" r:id="rId11"/>
@@ -113,6 +113,11 @@
       </a:defRPr>
     </a:lvl9pPr>
   </p:defaultTextStyle>
+  <p:extLst>
+    <p:ext uri="{EFAFB233-063F-42B5-8137-9DF3F51BA10A}">
+      <p15:sldGuideLst xmlns:p15="http://schemas.microsoft.com/office/powerpoint/2012/main"/>
+    </p:ext>
+  </p:extLst>
 </p:presentation>
 </file>
 
@@ -286,7 +291,7 @@
             <a:fld id="{87DE6118-2437-4B30-8E3C-4D2BE6020583}" type="datetimeFigureOut">
               <a:rPr lang="en-US" dirty="0"/>
               <a:pPr/>
-              <a:t>4/2/18</a:t>
+              <a:t>4/3/18</a:t>
             </a:fld>
             <a:endParaRPr lang="en-US" dirty="0"/>
           </a:p>
@@ -612,7 +617,7 @@
           <a:p>
             <a:fld id="{87DE6118-2437-4B30-8E3C-4D2BE6020583}" type="datetimeFigureOut">
               <a:rPr lang="en-US" dirty="0"/>
-              <a:t>4/2/18</a:t>
+              <a:t>4/3/18</a:t>
             </a:fld>
             <a:endParaRPr lang="en-US" dirty="0"/>
           </a:p>
@@ -787,7 +792,7 @@
           <a:p>
             <a:fld id="{87DE6118-2437-4B30-8E3C-4D2BE6020583}" type="datetimeFigureOut">
               <a:rPr lang="en-US" dirty="0"/>
-              <a:t>4/2/18</a:t>
+              <a:t>4/3/18</a:t>
             </a:fld>
             <a:endParaRPr lang="en-US" dirty="0"/>
           </a:p>
@@ -952,7 +957,7 @@
           <a:p>
             <a:fld id="{87DE6118-2437-4B30-8E3C-4D2BE6020583}" type="datetimeFigureOut">
               <a:rPr lang="en-US" dirty="0"/>
-              <a:t>4/2/18</a:t>
+              <a:t>4/3/18</a:t>
             </a:fld>
             <a:endParaRPr lang="en-US" dirty="0"/>
           </a:p>
@@ -1225,7 +1230,7 @@
             <a:fld id="{87DE6118-2437-4B30-8E3C-4D2BE6020583}" type="datetimeFigureOut">
               <a:rPr lang="en-US" dirty="0"/>
               <a:pPr/>
-              <a:t>4/2/18</a:t>
+              <a:t>4/3/18</a:t>
             </a:fld>
             <a:endParaRPr lang="en-US" dirty="0"/>
           </a:p>
@@ -1615,7 +1620,7 @@
           <a:p>
             <a:fld id="{87DE6118-2437-4B30-8E3C-4D2BE6020583}" type="datetimeFigureOut">
               <a:rPr lang="en-US" dirty="0"/>
-              <a:t>4/2/18</a:t>
+              <a:t>4/3/18</a:t>
             </a:fld>
             <a:endParaRPr lang="en-US" dirty="0"/>
           </a:p>
@@ -2087,7 +2092,7 @@
           <a:p>
             <a:fld id="{87DE6118-2437-4B30-8E3C-4D2BE6020583}" type="datetimeFigureOut">
               <a:rPr lang="en-US" dirty="0"/>
-              <a:t>4/2/18</a:t>
+              <a:t>4/3/18</a:t>
             </a:fld>
             <a:endParaRPr lang="en-US" dirty="0"/>
           </a:p>
@@ -2200,7 +2205,7 @@
           <a:p>
             <a:fld id="{87DE6118-2437-4B30-8E3C-4D2BE6020583}" type="datetimeFigureOut">
               <a:rPr lang="en-US" dirty="0"/>
-              <a:t>4/2/18</a:t>
+              <a:t>4/3/18</a:t>
             </a:fld>
             <a:endParaRPr lang="en-US" dirty="0"/>
           </a:p>
@@ -2290,7 +2295,7 @@
           <a:p>
             <a:fld id="{87DE6118-2437-4B30-8E3C-4D2BE6020583}" type="datetimeFigureOut">
               <a:rPr lang="en-US" dirty="0"/>
-              <a:t>4/2/18</a:t>
+              <a:t>4/3/18</a:t>
             </a:fld>
             <a:endParaRPr lang="en-US" dirty="0"/>
           </a:p>
@@ -2632,7 +2637,7 @@
             <a:fld id="{87DE6118-2437-4B30-8E3C-4D2BE6020583}" type="datetimeFigureOut">
               <a:rPr lang="en-US" dirty="0"/>
               <a:pPr/>
-              <a:t>4/2/18</a:t>
+              <a:t>4/3/18</a:t>
             </a:fld>
             <a:endParaRPr lang="en-US" dirty="0"/>
           </a:p>
@@ -3017,7 +3022,7 @@
             <a:fld id="{87DE6118-2437-4B30-8E3C-4D2BE6020583}" type="datetimeFigureOut">
               <a:rPr lang="en-US" dirty="0"/>
               <a:pPr/>
-              <a:t>4/2/18</a:t>
+              <a:t>4/3/18</a:t>
             </a:fld>
             <a:endParaRPr lang="en-US" dirty="0"/>
           </a:p>
@@ -3292,7 +3297,7 @@
             <a:fld id="{87DE6118-2437-4B30-8E3C-4D2BE6020583}" type="datetimeFigureOut">
               <a:rPr lang="en-US" dirty="0"/>
               <a:pPr/>
-              <a:t>4/2/18</a:t>
+              <a:t>4/3/18</a:t>
             </a:fld>
             <a:endParaRPr lang="en-US" dirty="0"/>
           </a:p>
@@ -3816,18 +3821,26 @@
             <p:ph type="ctrTitle"/>
           </p:nvPr>
         </p:nvSpPr>
-        <p:spPr/>
+        <p:spPr>
+          <a:xfrm>
+            <a:off x="1915127" y="1505415"/>
+            <a:ext cx="8361229" cy="2325509"/>
+          </a:xfrm>
+        </p:spPr>
         <p:txBody>
           <a:bodyPr/>
           <a:lstStyle/>
           <a:p>
             <a:r>
-              <a:rPr lang="en-US" sz="5400" b="1" dirty="0" err="1"/>
-              <a:t>Macss</a:t>
-            </a:r>
-            <a:r>
-              <a:rPr lang="en-US" sz="5400" b="1" dirty="0"/>
-              <a:t> research project (spring 2018)</a:t>
+              <a:rPr lang="en-US" sz="4000" b="1" dirty="0"/>
+              <a:t>Racial representation among teachers &amp; administrators: </a:t>
+            </a:r>
+            <a:br>
+              <a:rPr lang="en-US" sz="4000" b="1" dirty="0"/>
+            </a:br>
+            <a:r>
+              <a:rPr lang="en-US" sz="4000" b="1" dirty="0"/>
+              <a:t>Predicting college persistence rates </a:t>
             </a:r>
           </a:p>
         </p:txBody>
@@ -3848,14 +3861,39 @@
             <p:ph type="subTitle" idx="1"/>
           </p:nvPr>
         </p:nvSpPr>
-        <p:spPr/>
-        <p:txBody>
-          <a:bodyPr/>
+        <p:spPr>
+          <a:xfrm>
+            <a:off x="2679906" y="3956279"/>
+            <a:ext cx="6831673" cy="1574726"/>
+          </a:xfrm>
+        </p:spPr>
+        <p:txBody>
+          <a:bodyPr>
+            <a:normAutofit lnSpcReduction="10000"/>
+          </a:bodyPr>
           <a:lstStyle/>
           <a:p>
             <a:r>
               <a:rPr lang="en-US" b="1" dirty="0"/>
               <a:t>Kevin Sun</a:t>
+            </a:r>
+          </a:p>
+          <a:p>
+            <a:r>
+              <a:rPr lang="en-US" b="1" dirty="0"/>
+              <a:t>Wednesday, April 4, 2018</a:t>
+            </a:r>
+          </a:p>
+          <a:p>
+            <a:r>
+              <a:rPr lang="en-US" b="1" dirty="0"/>
+              <a:t>MA Computational Social Science</a:t>
+            </a:r>
+          </a:p>
+          <a:p>
+            <a:r>
+              <a:rPr lang="en-US" b="1" dirty="0"/>
+              <a:t>Research Proposal</a:t>
             </a:r>
           </a:p>
           <a:p>
@@ -3915,14 +3953,14 @@
           <a:lstStyle/>
           <a:p>
             <a:r>
-              <a:rPr lang="en-US" b="1" dirty="0"/>
+              <a:rPr lang="en-US" b="1" u="sng" dirty="0"/>
               <a:t>HYPOTHESES &amp;</a:t>
             </a:r>
             <a:br>
-              <a:rPr lang="en-US" b="1" dirty="0"/>
+              <a:rPr lang="en-US" b="1" u="sng" dirty="0"/>
             </a:br>
             <a:r>
-              <a:rPr lang="en-US" b="1" dirty="0"/>
+              <a:rPr lang="en-US" b="1" u="sng" dirty="0"/>
               <a:t>ANTICIPATED CHALLENGES:</a:t>
             </a:r>
           </a:p>
@@ -3949,7 +3987,10 @@
           <a:bodyPr/>
           <a:lstStyle/>
           <a:p>
-            <a:endParaRPr lang="en-US" dirty="0"/>
+            <a:r>
+              <a:rPr lang="en-US" dirty="0"/>
+              <a:t>Would ideally have liked to have done a study on racial matching</a:t>
+            </a:r>
           </a:p>
         </p:txBody>
       </p:sp>
@@ -3999,13 +4040,18 @@
             <p:ph type="title"/>
           </p:nvPr>
         </p:nvSpPr>
-        <p:spPr/>
+        <p:spPr>
+          <a:xfrm>
+            <a:off x="1173480" y="548640"/>
+            <a:ext cx="9601200" cy="742950"/>
+          </a:xfrm>
+        </p:spPr>
         <p:txBody>
           <a:bodyPr/>
           <a:lstStyle/>
           <a:p>
             <a:r>
-              <a:rPr lang="en-US" b="1" dirty="0"/>
+              <a:rPr lang="en-US" b="1" u="sng" dirty="0"/>
               <a:t>RESEARCH QUESTION:</a:t>
             </a:r>
           </a:p>
@@ -4027,12 +4073,25 @@
             <p:ph idx="1"/>
           </p:nvPr>
         </p:nvSpPr>
-        <p:spPr/>
-        <p:txBody>
-          <a:bodyPr/>
+        <p:spPr>
+          <a:xfrm>
+            <a:off x="1173480" y="1453282"/>
+            <a:ext cx="9601200" cy="4691039"/>
+          </a:xfrm>
+        </p:spPr>
+        <p:txBody>
+          <a:bodyPr>
+            <a:normAutofit/>
+          </a:bodyPr>
           <a:lstStyle/>
           <a:p>
-            <a:endParaRPr lang="en-US" dirty="0"/>
+            <a:pPr marL="0" indent="0">
+              <a:buNone/>
+            </a:pPr>
+            <a:r>
+              <a:rPr lang="en-US" sz="5400" dirty="0"/>
+              <a:t>To what extent are student college attendance and persistence-rates impacted by racial representation rates?</a:t>
+            </a:r>
           </a:p>
         </p:txBody>
       </p:sp>
@@ -4082,13 +4141,18 @@
             <p:ph type="title"/>
           </p:nvPr>
         </p:nvSpPr>
-        <p:spPr/>
+        <p:spPr>
+          <a:xfrm>
+            <a:off x="1371600" y="457200"/>
+            <a:ext cx="9601200" cy="731520"/>
+          </a:xfrm>
+        </p:spPr>
         <p:txBody>
           <a:bodyPr/>
           <a:lstStyle/>
           <a:p>
             <a:r>
-              <a:rPr lang="en-US" b="1" dirty="0"/>
+              <a:rPr lang="en-US" b="1" u="sng" dirty="0"/>
               <a:t>DEFINITIONS:</a:t>
             </a:r>
           </a:p>
@@ -4110,12 +4174,59 @@
             <p:ph idx="1"/>
           </p:nvPr>
         </p:nvSpPr>
-        <p:spPr/>
-        <p:txBody>
-          <a:bodyPr/>
+        <p:spPr>
+          <a:xfrm>
+            <a:off x="1097280" y="1325879"/>
+            <a:ext cx="10767618" cy="5119525"/>
+          </a:xfrm>
+        </p:spPr>
+        <p:txBody>
+          <a:bodyPr>
+            <a:normAutofit/>
+          </a:bodyPr>
           <a:lstStyle/>
           <a:p>
-            <a:endParaRPr lang="en-US"/>
+            <a:r>
+              <a:rPr lang="en-US" sz="4400" b="1" dirty="0"/>
+              <a:t>College attendance: </a:t>
+            </a:r>
+            <a:r>
+              <a:rPr lang="en-US" sz="4400" dirty="0"/>
+              <a:t>high school graduates who enroll in college that subsequent fall</a:t>
+            </a:r>
+            <a:endParaRPr lang="en-US" sz="4400" b="1" dirty="0"/>
+          </a:p>
+          <a:p>
+            <a:r>
+              <a:rPr lang="en-US" sz="4400" b="1" dirty="0"/>
+              <a:t>College persistence: </a:t>
+            </a:r>
+            <a:r>
+              <a:rPr lang="en-US" sz="4400" dirty="0"/>
+              <a:t>students who return to college their second year</a:t>
+            </a:r>
+            <a:endParaRPr lang="en-US" sz="4400" b="1" dirty="0"/>
+          </a:p>
+          <a:p>
+            <a:r>
+              <a:rPr lang="en-US" sz="4400" b="1" dirty="0"/>
+              <a:t>Bureaucratic representation: </a:t>
+            </a:r>
+            <a:r>
+              <a:rPr lang="en-US" sz="4400" dirty="0"/>
+              <a:t>Teachers &amp; administrators sharing demographic similarities with students</a:t>
+            </a:r>
+            <a:endParaRPr lang="en-US" sz="4400" b="1" dirty="0"/>
+          </a:p>
+          <a:p>
+            <a:endParaRPr lang="en-US" sz="4400" b="1" dirty="0"/>
+          </a:p>
+          <a:p>
+            <a:endParaRPr lang="en-US" sz="4400" b="1" dirty="0"/>
+          </a:p>
+          <a:p>
+            <a:pPr lvl="1"/>
+            <a:endParaRPr lang="en-US" sz="4400" dirty="0"/>
           </a:p>
         </p:txBody>
       </p:sp>
@@ -4165,14 +4276,28 @@
             <p:ph type="title"/>
           </p:nvPr>
         </p:nvSpPr>
-        <p:spPr/>
-        <p:txBody>
-          <a:bodyPr/>
+        <p:spPr>
+          <a:xfrm>
+            <a:off x="970156" y="125265"/>
+            <a:ext cx="9601200" cy="1380150"/>
+          </a:xfrm>
+        </p:spPr>
+        <p:txBody>
+          <a:bodyPr>
+            <a:normAutofit/>
+          </a:bodyPr>
           <a:lstStyle/>
           <a:p>
             <a:r>
               <a:rPr lang="en-US" b="1" dirty="0"/>
-              <a:t>RELEVANT LITERATURE &amp; THEORY</a:t>
+              <a:t>WHY COLLEGE PERSISTENCE?</a:t>
+            </a:r>
+            <a:br>
+              <a:rPr lang="en-US" b="1" u="sng" dirty="0"/>
+            </a:br>
+            <a:r>
+              <a:rPr lang="en-US" b="1" u="sng" dirty="0"/>
+              <a:t>THE LITERATURE:</a:t>
             </a:r>
           </a:p>
         </p:txBody>
@@ -4193,19 +4318,141 @@
             <p:ph idx="1"/>
           </p:nvPr>
         </p:nvSpPr>
-        <p:spPr/>
-        <p:txBody>
-          <a:bodyPr/>
+        <p:spPr>
+          <a:xfrm>
+            <a:off x="970156" y="1628077"/>
+            <a:ext cx="10950498" cy="4984596"/>
+          </a:xfrm>
+        </p:spPr>
+        <p:txBody>
+          <a:bodyPr>
+            <a:normAutofit/>
+          </a:bodyPr>
           <a:lstStyle/>
           <a:p>
-            <a:endParaRPr lang="en-US"/>
+            <a:r>
+              <a:rPr lang="en-US" sz="3200" b="1" dirty="0"/>
+              <a:t>Assessment of student behavior &amp; disciplinary outcomes </a:t>
+            </a:r>
+            <a:r>
+              <a:rPr lang="en-US" sz="1800" dirty="0"/>
+              <a:t>(Bates &amp; Glick 2013; Lindsay &amp; Hart 2017)</a:t>
+            </a:r>
+            <a:endParaRPr lang="en-US" sz="3200" dirty="0"/>
+          </a:p>
+          <a:p>
+            <a:r>
+              <a:rPr lang="en-US" sz="3200" b="1" dirty="0"/>
+              <a:t>Expectation of student potential </a:t>
+            </a:r>
+            <a:r>
+              <a:rPr lang="en-US" sz="1800" dirty="0"/>
+              <a:t>(</a:t>
+            </a:r>
+            <a:r>
+              <a:rPr lang="en-US" sz="1800" dirty="0" err="1"/>
+              <a:t>Gershenson</a:t>
+            </a:r>
+            <a:r>
+              <a:rPr lang="en-US" sz="1800" dirty="0"/>
+              <a:t>, Holt, Papageorge 2016; </a:t>
+            </a:r>
+            <a:r>
+              <a:rPr lang="en-US" sz="1800" dirty="0" err="1"/>
+              <a:t>McGrady</a:t>
+            </a:r>
+            <a:r>
+              <a:rPr lang="en-US" sz="1800" dirty="0"/>
+              <a:t> and Reynolds 2012; Dee 2005)</a:t>
+            </a:r>
+          </a:p>
+          <a:p>
+            <a:r>
+              <a:rPr lang="en-US" sz="3200" b="1" dirty="0"/>
+              <a:t>Representation of non-white students in gifted programs</a:t>
+            </a:r>
+            <a:r>
+              <a:rPr lang="en-US" sz="3200" dirty="0"/>
+              <a:t> </a:t>
+            </a:r>
+            <a:r>
+              <a:rPr lang="en-US" sz="1800" dirty="0"/>
+              <a:t>(Grissom, Rodriguez, Kern 2017)</a:t>
+            </a:r>
+            <a:endParaRPr lang="en-US" sz="3200" dirty="0"/>
+          </a:p>
+          <a:p>
+            <a:r>
+              <a:rPr lang="en-US" sz="3200" b="1" dirty="0"/>
+              <a:t>Math &amp; reading achievement</a:t>
+            </a:r>
+            <a:r>
+              <a:rPr lang="en-US" sz="3200" dirty="0"/>
+              <a:t> </a:t>
+            </a:r>
+            <a:r>
+              <a:rPr lang="en-US" sz="1800" dirty="0"/>
+              <a:t>(Dee 2004; </a:t>
+            </a:r>
+            <a:r>
+              <a:rPr lang="en-US" sz="1800" dirty="0" err="1"/>
+              <a:t>Clotfelter</a:t>
+            </a:r>
+            <a:r>
+              <a:rPr lang="en-US" sz="1800" dirty="0"/>
+              <a:t>, Ladd, and </a:t>
+            </a:r>
+            <a:r>
+              <a:rPr lang="en-US" sz="1800" dirty="0" err="1"/>
+              <a:t>Vigdor</a:t>
+            </a:r>
+            <a:r>
+              <a:rPr lang="en-US" sz="1800" dirty="0"/>
+              <a:t> 2007)</a:t>
+            </a:r>
+            <a:endParaRPr lang="en-US" sz="3200" dirty="0"/>
+          </a:p>
+          <a:p>
+            <a:r>
+              <a:rPr lang="en-US" sz="3200" b="1" dirty="0"/>
+              <a:t>Student perception of non-white teachers </a:t>
+            </a:r>
+            <a:r>
+              <a:rPr lang="en-US" sz="1800" dirty="0"/>
+              <a:t>(</a:t>
+            </a:r>
+            <a:r>
+              <a:rPr lang="en-US" sz="1800" dirty="0" err="1"/>
+              <a:t>Cherng</a:t>
+            </a:r>
+            <a:r>
+              <a:rPr lang="en-US" sz="1800" dirty="0"/>
+              <a:t> &amp; </a:t>
+            </a:r>
+            <a:r>
+              <a:rPr lang="en-US" sz="1800" dirty="0" err="1"/>
+              <a:t>Halpin</a:t>
+            </a:r>
+            <a:r>
+              <a:rPr lang="en-US" sz="1800" dirty="0"/>
+              <a:t> 2016)</a:t>
+            </a:r>
+          </a:p>
+          <a:p>
+            <a:endParaRPr lang="en-US" sz="3200" dirty="0"/>
+          </a:p>
+          <a:p>
+            <a:endParaRPr lang="en-US" sz="3200" dirty="0"/>
+          </a:p>
+          <a:p>
+            <a:endParaRPr lang="en-US" sz="3200" dirty="0"/>
           </a:p>
         </p:txBody>
       </p:sp>
     </p:spTree>
     <p:extLst>
       <p:ext uri="{BB962C8B-B14F-4D97-AF65-F5344CB8AC3E}">
-        <p14:creationId xmlns:p14="http://schemas.microsoft.com/office/powerpoint/2010/main" val="2164624281"/>
+        <p14:creationId xmlns:p14="http://schemas.microsoft.com/office/powerpoint/2010/main" val="485315770"/>
       </p:ext>
     </p:extLst>
   </p:cSld>
@@ -4248,14 +4495,28 @@
             <p:ph type="title"/>
           </p:nvPr>
         </p:nvSpPr>
-        <p:spPr/>
-        <p:txBody>
-          <a:bodyPr/>
+        <p:spPr>
+          <a:xfrm>
+            <a:off x="970156" y="125265"/>
+            <a:ext cx="9601200" cy="1380150"/>
+          </a:xfrm>
+        </p:spPr>
+        <p:txBody>
+          <a:bodyPr>
+            <a:normAutofit/>
+          </a:bodyPr>
           <a:lstStyle/>
           <a:p>
             <a:r>
               <a:rPr lang="en-US" b="1" dirty="0"/>
-              <a:t>RELEVANT LITERATURE &amp; THEORY</a:t>
+              <a:t>WHY COLLEGE PERSISTENCE?</a:t>
+            </a:r>
+            <a:br>
+              <a:rPr lang="en-US" b="1" u="sng" dirty="0"/>
+            </a:br>
+            <a:r>
+              <a:rPr lang="en-US" b="1" u="sng" dirty="0"/>
+              <a:t>THE LITERATURE:</a:t>
             </a:r>
           </a:p>
         </p:txBody>
@@ -4276,19 +4537,141 @@
             <p:ph idx="1"/>
           </p:nvPr>
         </p:nvSpPr>
-        <p:spPr/>
-        <p:txBody>
-          <a:bodyPr/>
+        <p:spPr>
+          <a:xfrm>
+            <a:off x="970156" y="1628077"/>
+            <a:ext cx="10950498" cy="4984596"/>
+          </a:xfrm>
+        </p:spPr>
+        <p:txBody>
+          <a:bodyPr>
+            <a:normAutofit/>
+          </a:bodyPr>
           <a:lstStyle/>
           <a:p>
-            <a:endParaRPr lang="en-US"/>
+            <a:r>
+              <a:rPr lang="en-US" sz="3200" b="1" dirty="0"/>
+              <a:t>Assessment of student behavior &amp; disciplinary outcomes </a:t>
+            </a:r>
+            <a:r>
+              <a:rPr lang="en-US" sz="1800" dirty="0"/>
+              <a:t>(Bates &amp; Glick 2013; Lindsay &amp; Hart 2017)</a:t>
+            </a:r>
+            <a:endParaRPr lang="en-US" sz="3200" dirty="0"/>
+          </a:p>
+          <a:p>
+            <a:r>
+              <a:rPr lang="en-US" sz="3200" b="1" dirty="0"/>
+              <a:t>Expectation of student potential </a:t>
+            </a:r>
+            <a:r>
+              <a:rPr lang="en-US" sz="1800" dirty="0"/>
+              <a:t>(</a:t>
+            </a:r>
+            <a:r>
+              <a:rPr lang="en-US" sz="1800" dirty="0" err="1"/>
+              <a:t>Gershenson</a:t>
+            </a:r>
+            <a:r>
+              <a:rPr lang="en-US" sz="1800" dirty="0"/>
+              <a:t>, Holt, Papageorge 2016; </a:t>
+            </a:r>
+            <a:r>
+              <a:rPr lang="en-US" sz="1800" dirty="0" err="1"/>
+              <a:t>McGrady</a:t>
+            </a:r>
+            <a:r>
+              <a:rPr lang="en-US" sz="1800" dirty="0"/>
+              <a:t> and Reynolds 2012; Dee 2005)</a:t>
+            </a:r>
+          </a:p>
+          <a:p>
+            <a:r>
+              <a:rPr lang="en-US" sz="3200" b="1" dirty="0"/>
+              <a:t>Representation of non-white students in gifted programs</a:t>
+            </a:r>
+            <a:r>
+              <a:rPr lang="en-US" sz="3200" dirty="0"/>
+              <a:t> </a:t>
+            </a:r>
+            <a:r>
+              <a:rPr lang="en-US" sz="1800" dirty="0"/>
+              <a:t>(Grissom, Rodriguez, Kern 2017)</a:t>
+            </a:r>
+            <a:endParaRPr lang="en-US" sz="3200" dirty="0"/>
+          </a:p>
+          <a:p>
+            <a:r>
+              <a:rPr lang="en-US" sz="3200" b="1" dirty="0"/>
+              <a:t>Math &amp; reading achievement</a:t>
+            </a:r>
+            <a:r>
+              <a:rPr lang="en-US" sz="3200" dirty="0"/>
+              <a:t> </a:t>
+            </a:r>
+            <a:r>
+              <a:rPr lang="en-US" sz="1800" dirty="0"/>
+              <a:t>(Dee 2004; </a:t>
+            </a:r>
+            <a:r>
+              <a:rPr lang="en-US" sz="1800" dirty="0" err="1"/>
+              <a:t>Clotfelter</a:t>
+            </a:r>
+            <a:r>
+              <a:rPr lang="en-US" sz="1800" dirty="0"/>
+              <a:t>, Ladd, and </a:t>
+            </a:r>
+            <a:r>
+              <a:rPr lang="en-US" sz="1800" dirty="0" err="1"/>
+              <a:t>Vigdor</a:t>
+            </a:r>
+            <a:r>
+              <a:rPr lang="en-US" sz="1800" dirty="0"/>
+              <a:t> 2007)</a:t>
+            </a:r>
+            <a:endParaRPr lang="en-US" sz="3200" dirty="0"/>
+          </a:p>
+          <a:p>
+            <a:r>
+              <a:rPr lang="en-US" sz="3200" b="1" dirty="0"/>
+              <a:t>Student perception of non-white teachers </a:t>
+            </a:r>
+            <a:r>
+              <a:rPr lang="en-US" sz="1800" dirty="0"/>
+              <a:t>(</a:t>
+            </a:r>
+            <a:r>
+              <a:rPr lang="en-US" sz="1800" dirty="0" err="1"/>
+              <a:t>Cherng</a:t>
+            </a:r>
+            <a:r>
+              <a:rPr lang="en-US" sz="1800" dirty="0"/>
+              <a:t> &amp; </a:t>
+            </a:r>
+            <a:r>
+              <a:rPr lang="en-US" sz="1800" dirty="0" err="1"/>
+              <a:t>Halpin</a:t>
+            </a:r>
+            <a:r>
+              <a:rPr lang="en-US" sz="1800" dirty="0"/>
+              <a:t> 2016)</a:t>
+            </a:r>
+          </a:p>
+          <a:p>
+            <a:endParaRPr lang="en-US" sz="3200" dirty="0"/>
+          </a:p>
+          <a:p>
+            <a:endParaRPr lang="en-US" sz="3200" dirty="0"/>
+          </a:p>
+          <a:p>
+            <a:endParaRPr lang="en-US" sz="3200" dirty="0"/>
           </a:p>
         </p:txBody>
       </p:sp>
     </p:spTree>
     <p:extLst>
       <p:ext uri="{BB962C8B-B14F-4D97-AF65-F5344CB8AC3E}">
-        <p14:creationId xmlns:p14="http://schemas.microsoft.com/office/powerpoint/2010/main" val="2257030949"/>
+        <p14:creationId xmlns:p14="http://schemas.microsoft.com/office/powerpoint/2010/main" val="2483617397"/>
       </p:ext>
     </p:extLst>
   </p:cSld>
@@ -4320,7 +4703,7 @@
           <p:cNvPr id="2" name="Title 1">
             <a:extLst>
               <a:ext uri="{FF2B5EF4-FFF2-40B4-BE49-F238E27FC236}">
-                <a16:creationId xmlns:a16="http://schemas.microsoft.com/office/drawing/2014/main" id="{FB7FDF8B-BD21-ED4A-8AA4-4E5159AAC8DA}"/>
+                <a16:creationId xmlns:a16="http://schemas.microsoft.com/office/drawing/2014/main" id="{2CAE27E3-BF01-9E43-A7AD-D7460EE36B90}"/>
               </a:ext>
             </a:extLst>
           </p:cNvPr>
@@ -4331,14 +4714,28 @@
             <p:ph type="title"/>
           </p:nvPr>
         </p:nvSpPr>
-        <p:spPr/>
-        <p:txBody>
-          <a:bodyPr/>
+        <p:spPr>
+          <a:xfrm>
+            <a:off x="970156" y="125265"/>
+            <a:ext cx="9601200" cy="1380150"/>
+          </a:xfrm>
+        </p:spPr>
+        <p:txBody>
+          <a:bodyPr>
+            <a:normAutofit/>
+          </a:bodyPr>
           <a:lstStyle/>
           <a:p>
             <a:r>
               <a:rPr lang="en-US" b="1" dirty="0"/>
-              <a:t>WHAT DOES THE DATA LOOK LIKE?</a:t>
+              <a:t>WHY COLLEGE PERSISTENCE?</a:t>
+            </a:r>
+            <a:br>
+              <a:rPr lang="en-US" b="1" u="sng" dirty="0"/>
+            </a:br>
+            <a:r>
+              <a:rPr lang="en-US" b="1" u="sng" dirty="0"/>
+              <a:t>THE LITERATURE:</a:t>
             </a:r>
           </a:p>
         </p:txBody>
@@ -4348,7 +4745,7 @@
           <p:cNvPr id="3" name="Content Placeholder 2">
             <a:extLst>
               <a:ext uri="{FF2B5EF4-FFF2-40B4-BE49-F238E27FC236}">
-                <a16:creationId xmlns:a16="http://schemas.microsoft.com/office/drawing/2014/main" id="{20056782-E8CA-814E-BD69-C0760C15A093}"/>
+                <a16:creationId xmlns:a16="http://schemas.microsoft.com/office/drawing/2014/main" id="{2DB31937-553F-2D40-A869-3EC0E5CB43F6}"/>
               </a:ext>
             </a:extLst>
           </p:cNvPr>
@@ -4359,19 +4756,141 @@
             <p:ph idx="1"/>
           </p:nvPr>
         </p:nvSpPr>
-        <p:spPr/>
-        <p:txBody>
-          <a:bodyPr/>
+        <p:spPr>
+          <a:xfrm>
+            <a:off x="970156" y="1628077"/>
+            <a:ext cx="10950498" cy="4984596"/>
+          </a:xfrm>
+        </p:spPr>
+        <p:txBody>
+          <a:bodyPr>
+            <a:normAutofit/>
+          </a:bodyPr>
           <a:lstStyle/>
           <a:p>
-            <a:endParaRPr lang="en-US"/>
+            <a:r>
+              <a:rPr lang="en-US" sz="3200" b="1" dirty="0"/>
+              <a:t>Assessment of student behavior &amp; disciplinary outcomes </a:t>
+            </a:r>
+            <a:r>
+              <a:rPr lang="en-US" sz="1800" dirty="0"/>
+              <a:t>(Bates &amp; Glick 2013; Lindsay &amp; Hart 2017)</a:t>
+            </a:r>
+            <a:endParaRPr lang="en-US" sz="3200" dirty="0"/>
+          </a:p>
+          <a:p>
+            <a:r>
+              <a:rPr lang="en-US" sz="3200" b="1" dirty="0"/>
+              <a:t>Expectation of student potential </a:t>
+            </a:r>
+            <a:r>
+              <a:rPr lang="en-US" sz="1800" dirty="0"/>
+              <a:t>(</a:t>
+            </a:r>
+            <a:r>
+              <a:rPr lang="en-US" sz="1800" dirty="0" err="1"/>
+              <a:t>Gershenson</a:t>
+            </a:r>
+            <a:r>
+              <a:rPr lang="en-US" sz="1800" dirty="0"/>
+              <a:t>, Holt, Papageorge 2016; </a:t>
+            </a:r>
+            <a:r>
+              <a:rPr lang="en-US" sz="1800" dirty="0" err="1"/>
+              <a:t>McGrady</a:t>
+            </a:r>
+            <a:r>
+              <a:rPr lang="en-US" sz="1800" dirty="0"/>
+              <a:t> and Reynolds 2012; Dee 2005)</a:t>
+            </a:r>
+          </a:p>
+          <a:p>
+            <a:r>
+              <a:rPr lang="en-US" sz="3200" b="1" dirty="0"/>
+              <a:t>Representation of non-white students in gifted programs</a:t>
+            </a:r>
+            <a:r>
+              <a:rPr lang="en-US" sz="3200" dirty="0"/>
+              <a:t> </a:t>
+            </a:r>
+            <a:r>
+              <a:rPr lang="en-US" sz="1800" dirty="0"/>
+              <a:t>(Grissom, Rodriguez, Kern 2017)</a:t>
+            </a:r>
+            <a:endParaRPr lang="en-US" sz="3200" dirty="0"/>
+          </a:p>
+          <a:p>
+            <a:r>
+              <a:rPr lang="en-US" sz="3200" b="1" dirty="0"/>
+              <a:t>Math &amp; reading achievement</a:t>
+            </a:r>
+            <a:r>
+              <a:rPr lang="en-US" sz="3200" dirty="0"/>
+              <a:t> </a:t>
+            </a:r>
+            <a:r>
+              <a:rPr lang="en-US" sz="1800" dirty="0"/>
+              <a:t>(Dee 2004; </a:t>
+            </a:r>
+            <a:r>
+              <a:rPr lang="en-US" sz="1800" dirty="0" err="1"/>
+              <a:t>Clotfelter</a:t>
+            </a:r>
+            <a:r>
+              <a:rPr lang="en-US" sz="1800" dirty="0"/>
+              <a:t>, Ladd, and </a:t>
+            </a:r>
+            <a:r>
+              <a:rPr lang="en-US" sz="1800" dirty="0" err="1"/>
+              <a:t>Vigdor</a:t>
+            </a:r>
+            <a:r>
+              <a:rPr lang="en-US" sz="1800" dirty="0"/>
+              <a:t> 2007)</a:t>
+            </a:r>
+            <a:endParaRPr lang="en-US" sz="3200" dirty="0"/>
+          </a:p>
+          <a:p>
+            <a:r>
+              <a:rPr lang="en-US" sz="3200" b="1" dirty="0"/>
+              <a:t>Student perception of non-white teachers </a:t>
+            </a:r>
+            <a:r>
+              <a:rPr lang="en-US" sz="1800" dirty="0"/>
+              <a:t>(</a:t>
+            </a:r>
+            <a:r>
+              <a:rPr lang="en-US" sz="1800" dirty="0" err="1"/>
+              <a:t>Cherng</a:t>
+            </a:r>
+            <a:r>
+              <a:rPr lang="en-US" sz="1800" dirty="0"/>
+              <a:t> &amp; </a:t>
+            </a:r>
+            <a:r>
+              <a:rPr lang="en-US" sz="1800" dirty="0" err="1"/>
+              <a:t>Halpin</a:t>
+            </a:r>
+            <a:r>
+              <a:rPr lang="en-US" sz="1800" dirty="0"/>
+              <a:t> 2016)</a:t>
+            </a:r>
+          </a:p>
+          <a:p>
+            <a:endParaRPr lang="en-US" sz="3200" dirty="0"/>
+          </a:p>
+          <a:p>
+            <a:endParaRPr lang="en-US" sz="3200" dirty="0"/>
+          </a:p>
+          <a:p>
+            <a:endParaRPr lang="en-US" sz="3200" dirty="0"/>
           </a:p>
         </p:txBody>
       </p:sp>
     </p:spTree>
     <p:extLst>
       <p:ext uri="{BB962C8B-B14F-4D97-AF65-F5344CB8AC3E}">
-        <p14:creationId xmlns:p14="http://schemas.microsoft.com/office/powerpoint/2010/main" val="3795658695"/>
+        <p14:creationId xmlns:p14="http://schemas.microsoft.com/office/powerpoint/2010/main" val="3259588286"/>
       </p:ext>
     </p:extLst>
   </p:cSld>
@@ -4414,14 +4933,19 @@
             <p:ph type="title"/>
           </p:nvPr>
         </p:nvSpPr>
-        <p:spPr/>
+        <p:spPr>
+          <a:xfrm>
+            <a:off x="1260088" y="694721"/>
+            <a:ext cx="9601200" cy="853440"/>
+          </a:xfrm>
+        </p:spPr>
         <p:txBody>
           <a:bodyPr/>
           <a:lstStyle/>
           <a:p>
             <a:r>
-              <a:rPr lang="en-US" b="1" dirty="0"/>
-              <a:t>WHAT DOES THE DATA LOOK LIKE?</a:t>
+              <a:rPr lang="en-US" b="1" u="sng" dirty="0"/>
+              <a:t>THE DATA:</a:t>
             </a:r>
           </a:p>
         </p:txBody>
@@ -4442,19 +4966,97 @@
             <p:ph idx="1"/>
           </p:nvPr>
         </p:nvSpPr>
-        <p:spPr/>
-        <p:txBody>
-          <a:bodyPr/>
+        <p:spPr>
+          <a:xfrm>
+            <a:off x="1260088" y="1548160"/>
+            <a:ext cx="9601200" cy="4707673"/>
+          </a:xfrm>
+        </p:spPr>
+        <p:txBody>
+          <a:bodyPr>
+            <a:normAutofit/>
+          </a:bodyPr>
           <a:lstStyle/>
           <a:p>
-            <a:endParaRPr lang="en-US"/>
+            <a:r>
+              <a:rPr lang="en-US" sz="3200" b="1" dirty="0"/>
+              <a:t>Teacher &amp; Administration Demographics: </a:t>
+            </a:r>
+            <a:r>
+              <a:rPr lang="en-US" sz="3200" dirty="0"/>
+              <a:t>Chicago Public Schools</a:t>
+            </a:r>
+          </a:p>
+          <a:p>
+            <a:pPr lvl="1"/>
+            <a:r>
+              <a:rPr lang="en-US" sz="3200" dirty="0"/>
+              <a:t>Individual teachers at each school</a:t>
+            </a:r>
+          </a:p>
+          <a:p>
+            <a:pPr lvl="2"/>
+            <a:r>
+              <a:rPr lang="en-US" sz="2800" dirty="0"/>
+              <a:t>Impute race/ethnicity of each teacher</a:t>
+            </a:r>
+          </a:p>
+          <a:p>
+            <a:pPr lvl="2"/>
+            <a:r>
+              <a:rPr lang="en-US" sz="2800" b="1" i="1" dirty="0" err="1">
+                <a:solidFill>
+                  <a:schemeClr val="accent5">
+                    <a:lumMod val="75000"/>
+                  </a:schemeClr>
+                </a:solidFill>
+              </a:rPr>
+              <a:t>NamSor</a:t>
+            </a:r>
+            <a:endParaRPr lang="en-US" sz="2800" b="1" i="1" dirty="0">
+              <a:solidFill>
+                <a:schemeClr val="accent5">
+                  <a:lumMod val="75000"/>
+                </a:schemeClr>
+              </a:solidFill>
+            </a:endParaRPr>
+          </a:p>
+          <a:p>
+            <a:pPr lvl="2"/>
+            <a:r>
+              <a:rPr lang="en-US" sz="2800" b="1" i="1" dirty="0" err="1">
+                <a:solidFill>
+                  <a:schemeClr val="accent5">
+                    <a:lumMod val="75000"/>
+                  </a:schemeClr>
+                </a:solidFill>
+              </a:rPr>
+              <a:t>ethnicolr</a:t>
+            </a:r>
+            <a:endParaRPr lang="en-US" sz="2800" b="1" i="1" dirty="0">
+              <a:solidFill>
+                <a:schemeClr val="accent5">
+                  <a:lumMod val="75000"/>
+                </a:schemeClr>
+              </a:solidFill>
+            </a:endParaRPr>
+          </a:p>
+          <a:p>
+            <a:r>
+              <a:rPr lang="en-US" sz="3200" b="1" dirty="0"/>
+              <a:t>College Attendance &amp; Persistence Rates: </a:t>
+            </a:r>
+            <a:r>
+              <a:rPr lang="en-US" sz="3200" dirty="0"/>
+              <a:t>National Student Clearinghouse</a:t>
+            </a:r>
           </a:p>
         </p:txBody>
       </p:sp>
     </p:spTree>
     <p:extLst>
       <p:ext uri="{BB962C8B-B14F-4D97-AF65-F5344CB8AC3E}">
-        <p14:creationId xmlns:p14="http://schemas.microsoft.com/office/powerpoint/2010/main" val="535022410"/>
+        <p14:creationId xmlns:p14="http://schemas.microsoft.com/office/powerpoint/2010/main" val="3795658695"/>
       </p:ext>
     </p:extLst>
   </p:cSld>
@@ -4503,7 +5105,7 @@
           <a:lstStyle/>
           <a:p>
             <a:r>
-              <a:rPr lang="en-US" b="1" dirty="0"/>
+              <a:rPr lang="en-US" b="1" u="sng" dirty="0"/>
               <a:t>METHODS &amp; MODELS</a:t>
             </a:r>
           </a:p>
@@ -4525,12 +5127,29 @@
             <p:ph idx="1"/>
           </p:nvPr>
         </p:nvSpPr>
-        <p:spPr/>
+        <p:spPr>
+          <a:xfrm>
+            <a:off x="1371600" y="1773044"/>
+            <a:ext cx="9601200" cy="3581400"/>
+          </a:xfrm>
+        </p:spPr>
         <p:txBody>
           <a:bodyPr/>
           <a:lstStyle/>
           <a:p>
-            <a:endParaRPr lang="en-US"/>
+            <a:r>
+              <a:rPr lang="en-US" dirty="0"/>
+              <a:t>Decision Trees</a:t>
+            </a:r>
+          </a:p>
+          <a:p>
+            <a:r>
+              <a:rPr lang="en-US" dirty="0"/>
+              <a:t>K-Nearest Neighbors (school-level)</a:t>
+            </a:r>
+          </a:p>
+          <a:p>
+            <a:endParaRPr lang="en-US" dirty="0"/>
           </a:p>
         </p:txBody>
       </p:sp>
@@ -4586,7 +5205,7 @@
           <a:lstStyle/>
           <a:p>
             <a:r>
-              <a:rPr lang="en-US" b="1" dirty="0"/>
+              <a:rPr lang="en-US" b="1" u="sng" dirty="0"/>
               <a:t>METHODS &amp; MODELS</a:t>
             </a:r>
           </a:p>

--- a/Proposal/proposal_slides.pptx
+++ b/Proposal/proposal_slides.pptx
@@ -7,14 +7,13 @@
   <p:sldIdLst>
     <p:sldId id="256" r:id="rId2"/>
     <p:sldId id="257" r:id="rId3"/>
-    <p:sldId id="258" r:id="rId4"/>
+    <p:sldId id="269" r:id="rId4"/>
     <p:sldId id="266" r:id="rId5"/>
     <p:sldId id="267" r:id="rId6"/>
-    <p:sldId id="268" r:id="rId7"/>
-    <p:sldId id="260" r:id="rId8"/>
+    <p:sldId id="260" r:id="rId7"/>
+    <p:sldId id="263" r:id="rId8"/>
     <p:sldId id="261" r:id="rId9"/>
-    <p:sldId id="263" r:id="rId10"/>
-    <p:sldId id="265" r:id="rId11"/>
+    <p:sldId id="265" r:id="rId10"/>
   </p:sldIdLst>
   <p:sldSz cx="12192000" cy="6858000"/>
   <p:notesSz cx="6858000" cy="9144000"/>
@@ -3823,24 +3822,31 @@
         </p:nvSpPr>
         <p:spPr>
           <a:xfrm>
-            <a:off x="1915127" y="1505415"/>
-            <a:ext cx="8361229" cy="2325509"/>
+            <a:off x="1226635" y="1471962"/>
+            <a:ext cx="9556594" cy="2352907"/>
           </a:xfrm>
         </p:spPr>
         <p:txBody>
           <a:bodyPr/>
           <a:lstStyle/>
           <a:p>
-            <a:r>
-              <a:rPr lang="en-US" sz="4000" b="1" dirty="0"/>
-              <a:t>Racial representation among teachers &amp; administrators: </a:t>
-            </a:r>
             <a:br>
               <a:rPr lang="en-US" sz="4000" b="1" dirty="0"/>
             </a:br>
             <a:r>
               <a:rPr lang="en-US" sz="4000" b="1" dirty="0"/>
-              <a:t>Predicting college persistence rates </a:t>
+              <a:t>Predicting college RETENTION rates: </a:t>
+            </a:r>
+            <a:br>
+              <a:rPr lang="en-US" sz="4000" b="1" dirty="0"/>
+            </a:br>
+            <a:r>
+              <a:rPr lang="en-US" sz="4000" b="1" dirty="0" err="1"/>
+              <a:t>RAcial</a:t>
+            </a:r>
+            <a:r>
+              <a:rPr lang="en-US" sz="4000" b="1" dirty="0"/>
+              <a:t> representation among k-12 teachers &amp; administrators</a:t>
             </a:r>
           </a:p>
         </p:txBody>
@@ -3863,7 +3869,7 @@
         </p:nvSpPr>
         <p:spPr>
           <a:xfrm>
-            <a:off x="2679906" y="3956279"/>
+            <a:off x="2668755" y="3824869"/>
             <a:ext cx="6831673" cy="1574726"/>
           </a:xfrm>
         </p:spPr>
@@ -3905,99 +3911,6 @@
     <p:extLst>
       <p:ext uri="{BB962C8B-B14F-4D97-AF65-F5344CB8AC3E}">
         <p14:creationId xmlns:p14="http://schemas.microsoft.com/office/powerpoint/2010/main" val="3162593192"/>
-      </p:ext>
-    </p:extLst>
-  </p:cSld>
-  <p:clrMapOvr>
-    <a:masterClrMapping/>
-  </p:clrMapOvr>
-</p:sld>
-</file>
-
-<file path=ppt/slides/slide10.xml><?xml version="1.0" encoding="utf-8"?>
-<p:sld xmlns:a="http://schemas.openxmlformats.org/drawingml/2006/main" xmlns:r="http://schemas.openxmlformats.org/officeDocument/2006/relationships" xmlns:p="http://schemas.openxmlformats.org/presentationml/2006/main">
-  <p:cSld>
-    <p:spTree>
-      <p:nvGrpSpPr>
-        <p:cNvPr id="1" name=""/>
-        <p:cNvGrpSpPr/>
-        <p:nvPr/>
-      </p:nvGrpSpPr>
-      <p:grpSpPr>
-        <a:xfrm>
-          <a:off x="0" y="0"/>
-          <a:ext cx="0" cy="0"/>
-          <a:chOff x="0" y="0"/>
-          <a:chExt cx="0" cy="0"/>
-        </a:xfrm>
-      </p:grpSpPr>
-      <p:sp>
-        <p:nvSpPr>
-          <p:cNvPr id="2" name="Title 1">
-            <a:extLst>
-              <a:ext uri="{FF2B5EF4-FFF2-40B4-BE49-F238E27FC236}">
-                <a16:creationId xmlns:a16="http://schemas.microsoft.com/office/drawing/2014/main" id="{E9CC6A43-9A44-B741-AF7D-2F5ADC92AA4C}"/>
-              </a:ext>
-            </a:extLst>
-          </p:cNvPr>
-          <p:cNvSpPr>
-            <a:spLocks noGrp="1"/>
-          </p:cNvSpPr>
-          <p:nvPr>
-            <p:ph type="title"/>
-          </p:nvPr>
-        </p:nvSpPr>
-        <p:spPr/>
-        <p:txBody>
-          <a:bodyPr/>
-          <a:lstStyle/>
-          <a:p>
-            <a:r>
-              <a:rPr lang="en-US" b="1" u="sng" dirty="0"/>
-              <a:t>HYPOTHESES &amp;</a:t>
-            </a:r>
-            <a:br>
-              <a:rPr lang="en-US" b="1" u="sng" dirty="0"/>
-            </a:br>
-            <a:r>
-              <a:rPr lang="en-US" b="1" u="sng" dirty="0"/>
-              <a:t>ANTICIPATED CHALLENGES:</a:t>
-            </a:r>
-          </a:p>
-        </p:txBody>
-      </p:sp>
-      <p:sp>
-        <p:nvSpPr>
-          <p:cNvPr id="3" name="Content Placeholder 2">
-            <a:extLst>
-              <a:ext uri="{FF2B5EF4-FFF2-40B4-BE49-F238E27FC236}">
-                <a16:creationId xmlns:a16="http://schemas.microsoft.com/office/drawing/2014/main" id="{60E05E4B-721D-3B46-9513-0AF784881968}"/>
-              </a:ext>
-            </a:extLst>
-          </p:cNvPr>
-          <p:cNvSpPr>
-            <a:spLocks noGrp="1"/>
-          </p:cNvSpPr>
-          <p:nvPr>
-            <p:ph idx="1"/>
-          </p:nvPr>
-        </p:nvSpPr>
-        <p:spPr/>
-        <p:txBody>
-          <a:bodyPr/>
-          <a:lstStyle/>
-          <a:p>
-            <a:r>
-              <a:rPr lang="en-US" dirty="0"/>
-              <a:t>Would ideally have liked to have done a study on racial matching</a:t>
-            </a:r>
-          </a:p>
-        </p:txBody>
-      </p:sp>
-    </p:spTree>
-    <p:extLst>
-      <p:ext uri="{BB962C8B-B14F-4D97-AF65-F5344CB8AC3E}">
-        <p14:creationId xmlns:p14="http://schemas.microsoft.com/office/powerpoint/2010/main" val="249412487"/>
       </p:ext>
     </p:extLst>
   </p:cSld>
@@ -4076,7 +3989,7 @@
         <p:spPr>
           <a:xfrm>
             <a:off x="1173480" y="1453282"/>
-            <a:ext cx="9601200" cy="4691039"/>
+            <a:ext cx="9601200" cy="2048201"/>
           </a:xfrm>
         </p:spPr>
         <p:txBody>
@@ -4089,9 +4002,301 @@
               <a:buNone/>
             </a:pPr>
             <a:r>
-              <a:rPr lang="en-US" sz="5400" dirty="0"/>
-              <a:t>To what extent are student college attendance and persistence-rates impacted by racial representation rates?</a:t>
-            </a:r>
+              <a:rPr lang="en-US" sz="4000" dirty="0"/>
+              <a:t>To what extent can </a:t>
+            </a:r>
+            <a:r>
+              <a:rPr lang="en-US" sz="4000" dirty="0">
+                <a:solidFill>
+                  <a:srgbClr val="00B050"/>
+                </a:solidFill>
+              </a:rPr>
+              <a:t>college retention</a:t>
+            </a:r>
+            <a:r>
+              <a:rPr lang="en-US" sz="4000" dirty="0"/>
+              <a:t>-rates be predicted by </a:t>
+            </a:r>
+            <a:r>
+              <a:rPr lang="en-US" sz="4000" dirty="0">
+                <a:solidFill>
+                  <a:srgbClr val="C00000"/>
+                </a:solidFill>
+              </a:rPr>
+              <a:t>bureaucratic representation </a:t>
+            </a:r>
+            <a:r>
+              <a:rPr lang="en-US" sz="4000" dirty="0"/>
+              <a:t>at the K-12 level?</a:t>
+            </a:r>
+          </a:p>
+        </p:txBody>
+      </p:sp>
+      <p:sp>
+        <p:nvSpPr>
+          <p:cNvPr id="4" name="Content Placeholder 2">
+            <a:extLst>
+              <a:ext uri="{FF2B5EF4-FFF2-40B4-BE49-F238E27FC236}">
+                <a16:creationId xmlns:a16="http://schemas.microsoft.com/office/drawing/2014/main" id="{F17257E1-A8A9-8847-8828-9AB7A969F64D}"/>
+              </a:ext>
+            </a:extLst>
+          </p:cNvPr>
+          <p:cNvSpPr txBox="1">
+            <a:spLocks/>
+          </p:cNvSpPr>
+          <p:nvPr/>
+        </p:nvSpPr>
+        <p:spPr>
+          <a:xfrm>
+            <a:off x="1030373" y="4382429"/>
+            <a:ext cx="10767618" cy="2152184"/>
+          </a:xfrm>
+          <a:prstGeom prst="rect">
+            <a:avLst/>
+          </a:prstGeom>
+        </p:spPr>
+        <p:txBody>
+          <a:bodyPr vert="horz" lIns="91440" tIns="45720" rIns="91440" bIns="45720" rtlCol="0">
+            <a:normAutofit/>
+          </a:bodyPr>
+          <a:lstStyle>
+            <a:lvl1pPr marL="384048" indent="-384048" algn="l" defTabSz="914400" rtl="0" eaLnBrk="1" latinLnBrk="0" hangingPunct="1">
+              <a:lnSpc>
+                <a:spcPct val="94000"/>
+              </a:lnSpc>
+              <a:spcBef>
+                <a:spcPts val="1000"/>
+              </a:spcBef>
+              <a:spcAft>
+                <a:spcPts val="200"/>
+              </a:spcAft>
+              <a:buFont typeface="Franklin Gothic Book" panose="020B0503020102020204" pitchFamily="34" charset="0"/>
+              <a:buChar char="■"/>
+              <a:defRPr sz="2000" kern="1200" baseline="0">
+                <a:solidFill>
+                  <a:schemeClr val="tx2"/>
+                </a:solidFill>
+                <a:latin typeface="+mn-lt"/>
+                <a:ea typeface="+mn-ea"/>
+                <a:cs typeface="+mn-cs"/>
+              </a:defRPr>
+            </a:lvl1pPr>
+            <a:lvl2pPr marL="914400" indent="-384048" algn="l" defTabSz="914400" rtl="0" eaLnBrk="1" latinLnBrk="0" hangingPunct="1">
+              <a:lnSpc>
+                <a:spcPct val="94000"/>
+              </a:lnSpc>
+              <a:spcBef>
+                <a:spcPts val="500"/>
+              </a:spcBef>
+              <a:spcAft>
+                <a:spcPts val="200"/>
+              </a:spcAft>
+              <a:buFont typeface="Franklin Gothic Book" panose="020B0503020102020204" pitchFamily="34" charset="0"/>
+              <a:buChar char="–"/>
+              <a:defRPr sz="2000" i="1" kern="1200" baseline="0">
+                <a:solidFill>
+                  <a:schemeClr val="tx2"/>
+                </a:solidFill>
+                <a:latin typeface="+mn-lt"/>
+                <a:ea typeface="+mn-ea"/>
+                <a:cs typeface="+mn-cs"/>
+              </a:defRPr>
+            </a:lvl2pPr>
+            <a:lvl3pPr marL="1371600" indent="-384048" algn="l" defTabSz="914400" rtl="0" eaLnBrk="1" latinLnBrk="0" hangingPunct="1">
+              <a:lnSpc>
+                <a:spcPct val="94000"/>
+              </a:lnSpc>
+              <a:spcBef>
+                <a:spcPts val="500"/>
+              </a:spcBef>
+              <a:spcAft>
+                <a:spcPts val="200"/>
+              </a:spcAft>
+              <a:buFont typeface="Franklin Gothic Book" panose="020B0503020102020204" pitchFamily="34" charset="0"/>
+              <a:buChar char="■"/>
+              <a:defRPr sz="1800" kern="1200" baseline="0">
+                <a:solidFill>
+                  <a:schemeClr val="tx2"/>
+                </a:solidFill>
+                <a:latin typeface="+mn-lt"/>
+                <a:ea typeface="+mn-ea"/>
+                <a:cs typeface="+mn-cs"/>
+              </a:defRPr>
+            </a:lvl3pPr>
+            <a:lvl4pPr marL="1828800" indent="-384048" algn="l" defTabSz="914400" rtl="0" eaLnBrk="1" latinLnBrk="0" hangingPunct="1">
+              <a:lnSpc>
+                <a:spcPct val="94000"/>
+              </a:lnSpc>
+              <a:spcBef>
+                <a:spcPts val="500"/>
+              </a:spcBef>
+              <a:spcAft>
+                <a:spcPts val="200"/>
+              </a:spcAft>
+              <a:buFont typeface="Franklin Gothic Book" panose="020B0503020102020204" pitchFamily="34" charset="0"/>
+              <a:buChar char="–"/>
+              <a:defRPr sz="1800" i="1" kern="1200" baseline="0">
+                <a:solidFill>
+                  <a:schemeClr val="tx2"/>
+                </a:solidFill>
+                <a:latin typeface="+mn-lt"/>
+                <a:ea typeface="+mn-ea"/>
+                <a:cs typeface="+mn-cs"/>
+              </a:defRPr>
+            </a:lvl4pPr>
+            <a:lvl5pPr marL="2286000" indent="-384048" algn="l" defTabSz="914400" rtl="0" eaLnBrk="1" latinLnBrk="0" hangingPunct="1">
+              <a:lnSpc>
+                <a:spcPct val="94000"/>
+              </a:lnSpc>
+              <a:spcBef>
+                <a:spcPts val="500"/>
+              </a:spcBef>
+              <a:spcAft>
+                <a:spcPts val="200"/>
+              </a:spcAft>
+              <a:buFont typeface="Franklin Gothic Book" panose="020B0503020102020204" pitchFamily="34" charset="0"/>
+              <a:buChar char="■"/>
+              <a:defRPr sz="1600" kern="1200" baseline="0">
+                <a:solidFill>
+                  <a:schemeClr val="tx2"/>
+                </a:solidFill>
+                <a:latin typeface="+mn-lt"/>
+                <a:ea typeface="+mn-ea"/>
+                <a:cs typeface="+mn-cs"/>
+              </a:defRPr>
+            </a:lvl5pPr>
+            <a:lvl6pPr marL="2743200" indent="-384048" algn="l" defTabSz="914400" rtl="0" eaLnBrk="1" latinLnBrk="0" hangingPunct="1">
+              <a:lnSpc>
+                <a:spcPct val="94000"/>
+              </a:lnSpc>
+              <a:spcBef>
+                <a:spcPts val="500"/>
+              </a:spcBef>
+              <a:spcAft>
+                <a:spcPts val="200"/>
+              </a:spcAft>
+              <a:buFont typeface="Franklin Gothic Book" panose="020B0503020102020204" pitchFamily="34" charset="0"/>
+              <a:buChar char="–"/>
+              <a:defRPr sz="1600" i="1" kern="1200" baseline="0">
+                <a:solidFill>
+                  <a:schemeClr val="tx2"/>
+                </a:solidFill>
+                <a:latin typeface="+mn-lt"/>
+                <a:ea typeface="+mn-ea"/>
+                <a:cs typeface="+mn-cs"/>
+              </a:defRPr>
+            </a:lvl6pPr>
+            <a:lvl7pPr marL="3200400" indent="-384048" algn="l" defTabSz="914400" rtl="0" eaLnBrk="1" latinLnBrk="0" hangingPunct="1">
+              <a:lnSpc>
+                <a:spcPct val="94000"/>
+              </a:lnSpc>
+              <a:spcBef>
+                <a:spcPts val="500"/>
+              </a:spcBef>
+              <a:spcAft>
+                <a:spcPts val="200"/>
+              </a:spcAft>
+              <a:buFont typeface="Franklin Gothic Book" panose="020B0503020102020204" pitchFamily="34" charset="0"/>
+              <a:buChar char="■"/>
+              <a:defRPr sz="1400" kern="1200" baseline="0">
+                <a:solidFill>
+                  <a:schemeClr val="tx2"/>
+                </a:solidFill>
+                <a:latin typeface="+mn-lt"/>
+                <a:ea typeface="+mn-ea"/>
+                <a:cs typeface="+mn-cs"/>
+              </a:defRPr>
+            </a:lvl7pPr>
+            <a:lvl8pPr marL="3657600" indent="-384048" algn="l" defTabSz="914400" rtl="0" eaLnBrk="1" latinLnBrk="0" hangingPunct="1">
+              <a:lnSpc>
+                <a:spcPct val="94000"/>
+              </a:lnSpc>
+              <a:spcBef>
+                <a:spcPts val="500"/>
+              </a:spcBef>
+              <a:spcAft>
+                <a:spcPts val="200"/>
+              </a:spcAft>
+              <a:buFont typeface="Franklin Gothic Book" panose="020B0503020102020204" pitchFamily="34" charset="0"/>
+              <a:buChar char="–"/>
+              <a:defRPr sz="1400" i="1" kern="1200" baseline="0">
+                <a:solidFill>
+                  <a:schemeClr val="tx2"/>
+                </a:solidFill>
+                <a:latin typeface="+mn-lt"/>
+                <a:ea typeface="+mn-ea"/>
+                <a:cs typeface="+mn-cs"/>
+              </a:defRPr>
+            </a:lvl8pPr>
+            <a:lvl9pPr marL="4114800" indent="-384048" algn="l" defTabSz="914400" rtl="0" eaLnBrk="1" latinLnBrk="0" hangingPunct="1">
+              <a:lnSpc>
+                <a:spcPct val="94000"/>
+              </a:lnSpc>
+              <a:spcBef>
+                <a:spcPts val="500"/>
+              </a:spcBef>
+              <a:spcAft>
+                <a:spcPts val="200"/>
+              </a:spcAft>
+              <a:buFont typeface="Franklin Gothic Book" panose="020B0503020102020204" pitchFamily="34" charset="0"/>
+              <a:buChar char="■"/>
+              <a:defRPr sz="1400" kern="1200" baseline="0">
+                <a:solidFill>
+                  <a:schemeClr val="tx2"/>
+                </a:solidFill>
+                <a:latin typeface="+mn-lt"/>
+                <a:ea typeface="+mn-ea"/>
+                <a:cs typeface="+mn-cs"/>
+              </a:defRPr>
+            </a:lvl9pPr>
+          </a:lstStyle>
+          <a:p>
+            <a:r>
+              <a:rPr lang="en-US" sz="3200" b="1" dirty="0">
+                <a:solidFill>
+                  <a:srgbClr val="00B050"/>
+                </a:solidFill>
+              </a:rPr>
+              <a:t>College retention</a:t>
+            </a:r>
+            <a:r>
+              <a:rPr lang="en-US" sz="3200" b="1" dirty="0"/>
+              <a:t>: </a:t>
+            </a:r>
+            <a:r>
+              <a:rPr lang="en-US" sz="3200" dirty="0"/>
+              <a:t>students who return to college their second year</a:t>
+            </a:r>
+            <a:endParaRPr lang="en-US" sz="3200" b="1" dirty="0"/>
+          </a:p>
+          <a:p>
+            <a:r>
+              <a:rPr lang="en-US" sz="3200" b="1" dirty="0">
+                <a:solidFill>
+                  <a:srgbClr val="C00000"/>
+                </a:solidFill>
+              </a:rPr>
+              <a:t>Bureaucratic representation</a:t>
+            </a:r>
+            <a:r>
+              <a:rPr lang="en-US" sz="3200" b="1" dirty="0"/>
+              <a:t>: </a:t>
+            </a:r>
+            <a:r>
+              <a:rPr lang="en-US" sz="3200" dirty="0"/>
+              <a:t>Teachers &amp; administrators sharing demographic similarities with students</a:t>
+            </a:r>
+            <a:endParaRPr lang="en-US" sz="3200" b="1" dirty="0"/>
+          </a:p>
+          <a:p>
+            <a:endParaRPr lang="en-US" sz="3200" b="1" dirty="0"/>
+          </a:p>
+          <a:p>
+            <a:endParaRPr lang="en-US" sz="3200" b="1" dirty="0"/>
+          </a:p>
+          <a:p>
+            <a:pPr lvl="1"/>
+            <a:endParaRPr lang="en-US" sz="3200" dirty="0"/>
           </a:p>
         </p:txBody>
       </p:sp>
@@ -4130,7 +4335,7 @@
           <p:cNvPr id="2" name="Title 1">
             <a:extLst>
               <a:ext uri="{FF2B5EF4-FFF2-40B4-BE49-F238E27FC236}">
-                <a16:creationId xmlns:a16="http://schemas.microsoft.com/office/drawing/2014/main" id="{1D27751C-1DD6-A14F-A170-A8278F8D3315}"/>
+                <a16:creationId xmlns:a16="http://schemas.microsoft.com/office/drawing/2014/main" id="{B4A5ED5B-5D1C-0F45-9909-029C73C55EB4}"/>
               </a:ext>
             </a:extLst>
           </p:cNvPr>
@@ -4143,8 +4348,8 @@
         </p:nvSpPr>
         <p:spPr>
           <a:xfrm>
-            <a:off x="1371600" y="457200"/>
-            <a:ext cx="9601200" cy="731520"/>
+            <a:off x="1173480" y="548640"/>
+            <a:ext cx="9601200" cy="742950"/>
           </a:xfrm>
         </p:spPr>
         <p:txBody>
@@ -4153,87 +4358,412 @@
           <a:p>
             <a:r>
               <a:rPr lang="en-US" b="1" u="sng" dirty="0"/>
-              <a:t>DEFINITIONS:</a:t>
-            </a:r>
-          </a:p>
-        </p:txBody>
-      </p:sp>
-      <p:sp>
-        <p:nvSpPr>
-          <p:cNvPr id="3" name="Content Placeholder 2">
+              <a:t>THE LAY OF THE LAND:</a:t>
+            </a:r>
+          </a:p>
+        </p:txBody>
+      </p:sp>
+      <p:sp>
+        <p:nvSpPr>
+          <p:cNvPr id="4" name="Rounded Rectangle 3">
             <a:extLst>
               <a:ext uri="{FF2B5EF4-FFF2-40B4-BE49-F238E27FC236}">
-                <a16:creationId xmlns:a16="http://schemas.microsoft.com/office/drawing/2014/main" id="{097CC0D4-D711-6A4C-9D5A-3BBA7AA2F0CF}"/>
+                <a16:creationId xmlns:a16="http://schemas.microsoft.com/office/drawing/2014/main" id="{D782727F-77FF-C648-954B-78E3D5C69EEA}"/>
               </a:ext>
             </a:extLst>
           </p:cNvPr>
-          <p:cNvSpPr>
-            <a:spLocks noGrp="1"/>
-          </p:cNvSpPr>
-          <p:nvPr>
-            <p:ph idx="1"/>
-          </p:nvPr>
+          <p:cNvSpPr/>
+          <p:nvPr/>
         </p:nvSpPr>
         <p:spPr>
           <a:xfrm>
-            <a:off x="1097280" y="1325879"/>
-            <a:ext cx="10767618" cy="5119525"/>
-          </a:xfrm>
-        </p:spPr>
-        <p:txBody>
-          <a:bodyPr>
-            <a:normAutofit/>
-          </a:bodyPr>
+            <a:off x="8800915" y="2519898"/>
+            <a:ext cx="1973765" cy="1217434"/>
+          </a:xfrm>
+          <a:prstGeom prst="roundRect">
+            <a:avLst/>
+          </a:prstGeom>
+        </p:spPr>
+        <p:style>
+          <a:lnRef idx="2">
+            <a:schemeClr val="accent1">
+              <a:shade val="50000"/>
+            </a:schemeClr>
+          </a:lnRef>
+          <a:fillRef idx="1">
+            <a:schemeClr val="accent1"/>
+          </a:fillRef>
+          <a:effectRef idx="0">
+            <a:schemeClr val="accent1"/>
+          </a:effectRef>
+          <a:fontRef idx="minor">
+            <a:schemeClr val="lt1"/>
+          </a:fontRef>
+        </p:style>
+        <p:txBody>
+          <a:bodyPr rtlCol="0" anchor="ctr"/>
           <a:lstStyle/>
           <a:p>
-            <a:r>
-              <a:rPr lang="en-US" sz="4400" b="1" dirty="0"/>
-              <a:t>College attendance: </a:t>
-            </a:r>
-            <a:r>
-              <a:rPr lang="en-US" sz="4400" dirty="0"/>
-              <a:t>high school graduates who enroll in college that subsequent fall</a:t>
-            </a:r>
-            <a:endParaRPr lang="en-US" sz="4400" b="1" dirty="0"/>
-          </a:p>
-          <a:p>
-            <a:r>
-              <a:rPr lang="en-US" sz="4400" b="1" dirty="0"/>
-              <a:t>College persistence: </a:t>
-            </a:r>
-            <a:r>
-              <a:rPr lang="en-US" sz="4400" dirty="0"/>
-              <a:t>students who return to college their second year</a:t>
-            </a:r>
-            <a:endParaRPr lang="en-US" sz="4400" b="1" dirty="0"/>
-          </a:p>
-          <a:p>
-            <a:r>
-              <a:rPr lang="en-US" sz="4400" b="1" dirty="0"/>
-              <a:t>Bureaucratic representation: </a:t>
-            </a:r>
-            <a:r>
-              <a:rPr lang="en-US" sz="4400" dirty="0"/>
-              <a:t>Teachers &amp; administrators sharing demographic similarities with students</a:t>
-            </a:r>
-            <a:endParaRPr lang="en-US" sz="4400" b="1" dirty="0"/>
-          </a:p>
-          <a:p>
-            <a:endParaRPr lang="en-US" sz="4400" b="1" dirty="0"/>
-          </a:p>
-          <a:p>
-            <a:endParaRPr lang="en-US" sz="4400" b="1" dirty="0"/>
-          </a:p>
-          <a:p>
-            <a:pPr lvl="1"/>
-            <a:endParaRPr lang="en-US" sz="4400" dirty="0"/>
+            <a:pPr algn="ctr"/>
+            <a:r>
+              <a:rPr lang="en-US" b="1" dirty="0"/>
+              <a:t>COLLEGE RETENTION RATES</a:t>
+            </a:r>
+          </a:p>
+        </p:txBody>
+      </p:sp>
+      <p:sp>
+        <p:nvSpPr>
+          <p:cNvPr id="5" name="Rounded Rectangle 4">
+            <a:extLst>
+              <a:ext uri="{FF2B5EF4-FFF2-40B4-BE49-F238E27FC236}">
+                <a16:creationId xmlns:a16="http://schemas.microsoft.com/office/drawing/2014/main" id="{76AC1634-FCC1-6443-9349-9C96CB9CC1B0}"/>
+              </a:ext>
+            </a:extLst>
+          </p:cNvPr>
+          <p:cNvSpPr/>
+          <p:nvPr/>
+        </p:nvSpPr>
+        <p:spPr>
+          <a:xfrm>
+            <a:off x="5150747" y="1478188"/>
+            <a:ext cx="1973765" cy="1217434"/>
+          </a:xfrm>
+          <a:prstGeom prst="roundRect">
+            <a:avLst/>
+          </a:prstGeom>
+        </p:spPr>
+        <p:style>
+          <a:lnRef idx="2">
+            <a:schemeClr val="accent1">
+              <a:shade val="50000"/>
+            </a:schemeClr>
+          </a:lnRef>
+          <a:fillRef idx="1">
+            <a:schemeClr val="accent1"/>
+          </a:fillRef>
+          <a:effectRef idx="0">
+            <a:schemeClr val="accent1"/>
+          </a:effectRef>
+          <a:fontRef idx="minor">
+            <a:schemeClr val="lt1"/>
+          </a:fontRef>
+        </p:style>
+        <p:txBody>
+          <a:bodyPr rtlCol="0" anchor="ctr"/>
+          <a:lstStyle/>
+          <a:p>
+            <a:pPr algn="ctr"/>
+            <a:r>
+              <a:rPr lang="en-US" sz="1600" b="1" dirty="0"/>
+              <a:t>STUDENT CHARACTERISTICS </a:t>
+            </a:r>
+          </a:p>
+        </p:txBody>
+      </p:sp>
+      <p:sp>
+        <p:nvSpPr>
+          <p:cNvPr id="6" name="Rounded Rectangle 5">
+            <a:extLst>
+              <a:ext uri="{FF2B5EF4-FFF2-40B4-BE49-F238E27FC236}">
+                <a16:creationId xmlns:a16="http://schemas.microsoft.com/office/drawing/2014/main" id="{E02E1D70-C80B-ED4D-89CE-FE5E3BB5A83B}"/>
+              </a:ext>
+            </a:extLst>
+          </p:cNvPr>
+          <p:cNvSpPr/>
+          <p:nvPr/>
+        </p:nvSpPr>
+        <p:spPr>
+          <a:xfrm>
+            <a:off x="1656699" y="2519898"/>
+            <a:ext cx="1973765" cy="1217434"/>
+          </a:xfrm>
+          <a:prstGeom prst="roundRect">
+            <a:avLst/>
+          </a:prstGeom>
+        </p:spPr>
+        <p:style>
+          <a:lnRef idx="2">
+            <a:schemeClr val="accent1">
+              <a:shade val="50000"/>
+            </a:schemeClr>
+          </a:lnRef>
+          <a:fillRef idx="1">
+            <a:schemeClr val="accent1"/>
+          </a:fillRef>
+          <a:effectRef idx="0">
+            <a:schemeClr val="accent1"/>
+          </a:effectRef>
+          <a:fontRef idx="minor">
+            <a:schemeClr val="lt1"/>
+          </a:fontRef>
+        </p:style>
+        <p:txBody>
+          <a:bodyPr rtlCol="0" anchor="ctr"/>
+          <a:lstStyle/>
+          <a:p>
+            <a:pPr algn="ctr"/>
+            <a:r>
+              <a:rPr lang="en-US" b="1" dirty="0"/>
+              <a:t>TEACHER-STUDENT RACIAL MATCHING</a:t>
+            </a:r>
+          </a:p>
+        </p:txBody>
+      </p:sp>
+      <p:sp>
+        <p:nvSpPr>
+          <p:cNvPr id="7" name="Rounded Rectangle 6">
+            <a:extLst>
+              <a:ext uri="{FF2B5EF4-FFF2-40B4-BE49-F238E27FC236}">
+                <a16:creationId xmlns:a16="http://schemas.microsoft.com/office/drawing/2014/main" id="{3E0D0BDB-5D97-1443-B512-95A49FCC056D}"/>
+              </a:ext>
+            </a:extLst>
+          </p:cNvPr>
+          <p:cNvSpPr/>
+          <p:nvPr/>
+        </p:nvSpPr>
+        <p:spPr>
+          <a:xfrm>
+            <a:off x="5150747" y="3854327"/>
+            <a:ext cx="1973765" cy="1217434"/>
+          </a:xfrm>
+          <a:prstGeom prst="roundRect">
+            <a:avLst/>
+          </a:prstGeom>
+        </p:spPr>
+        <p:style>
+          <a:lnRef idx="2">
+            <a:schemeClr val="accent1">
+              <a:shade val="50000"/>
+            </a:schemeClr>
+          </a:lnRef>
+          <a:fillRef idx="1">
+            <a:schemeClr val="accent1"/>
+          </a:fillRef>
+          <a:effectRef idx="0">
+            <a:schemeClr val="accent1"/>
+          </a:effectRef>
+          <a:fontRef idx="minor">
+            <a:schemeClr val="lt1"/>
+          </a:fontRef>
+        </p:style>
+        <p:txBody>
+          <a:bodyPr rtlCol="0" anchor="ctr"/>
+          <a:lstStyle/>
+          <a:p>
+            <a:pPr algn="ctr"/>
+            <a:r>
+              <a:rPr lang="en-US" sz="1600" b="1" dirty="0"/>
+              <a:t>INSTITUTIONAL CHARACTERISTICS </a:t>
+            </a:r>
+          </a:p>
+        </p:txBody>
+      </p:sp>
+      <p:sp>
+        <p:nvSpPr>
+          <p:cNvPr id="11" name="Striped Right Arrow 10">
+            <a:extLst>
+              <a:ext uri="{FF2B5EF4-FFF2-40B4-BE49-F238E27FC236}">
+                <a16:creationId xmlns:a16="http://schemas.microsoft.com/office/drawing/2014/main" id="{97B08BB1-6756-244A-875D-DF57FADFD4DA}"/>
+              </a:ext>
+            </a:extLst>
+          </p:cNvPr>
+          <p:cNvSpPr/>
+          <p:nvPr/>
+        </p:nvSpPr>
+        <p:spPr>
+          <a:xfrm rot="1186974">
+            <a:off x="7349395" y="2198418"/>
+            <a:ext cx="1226634" cy="432993"/>
+          </a:xfrm>
+          <a:prstGeom prst="stripedRightArrow">
+            <a:avLst/>
+          </a:prstGeom>
+        </p:spPr>
+        <p:style>
+          <a:lnRef idx="2">
+            <a:schemeClr val="accent1">
+              <a:shade val="50000"/>
+            </a:schemeClr>
+          </a:lnRef>
+          <a:fillRef idx="1">
+            <a:schemeClr val="accent1"/>
+          </a:fillRef>
+          <a:effectRef idx="0">
+            <a:schemeClr val="accent1"/>
+          </a:effectRef>
+          <a:fontRef idx="minor">
+            <a:schemeClr val="lt1"/>
+          </a:fontRef>
+        </p:style>
+        <p:txBody>
+          <a:bodyPr rtlCol="0" anchor="ctr"/>
+          <a:lstStyle/>
+          <a:p>
+            <a:pPr algn="ctr"/>
+            <a:endParaRPr lang="en-US"/>
+          </a:p>
+        </p:txBody>
+      </p:sp>
+      <p:sp>
+        <p:nvSpPr>
+          <p:cNvPr id="12" name="Striped Right Arrow 11">
+            <a:extLst>
+              <a:ext uri="{FF2B5EF4-FFF2-40B4-BE49-F238E27FC236}">
+                <a16:creationId xmlns:a16="http://schemas.microsoft.com/office/drawing/2014/main" id="{0960761F-2FF2-C64F-B9F7-7C6C60E59A54}"/>
+              </a:ext>
+            </a:extLst>
+          </p:cNvPr>
+          <p:cNvSpPr/>
+          <p:nvPr/>
+        </p:nvSpPr>
+        <p:spPr>
+          <a:xfrm rot="19929013">
+            <a:off x="7427457" y="3921159"/>
+            <a:ext cx="1226634" cy="432993"/>
+          </a:xfrm>
+          <a:prstGeom prst="stripedRightArrow">
+            <a:avLst/>
+          </a:prstGeom>
+        </p:spPr>
+        <p:style>
+          <a:lnRef idx="2">
+            <a:schemeClr val="accent1">
+              <a:shade val="50000"/>
+            </a:schemeClr>
+          </a:lnRef>
+          <a:fillRef idx="1">
+            <a:schemeClr val="accent1"/>
+          </a:fillRef>
+          <a:effectRef idx="0">
+            <a:schemeClr val="accent1"/>
+          </a:effectRef>
+          <a:fontRef idx="minor">
+            <a:schemeClr val="lt1"/>
+          </a:fontRef>
+        </p:style>
+        <p:txBody>
+          <a:bodyPr rtlCol="0" anchor="ctr"/>
+          <a:lstStyle/>
+          <a:p>
+            <a:pPr algn="ctr"/>
+            <a:endParaRPr lang="en-US"/>
+          </a:p>
+        </p:txBody>
+      </p:sp>
+      <p:sp>
+        <p:nvSpPr>
+          <p:cNvPr id="13" name="Striped Right Arrow 12">
+            <a:extLst>
+              <a:ext uri="{FF2B5EF4-FFF2-40B4-BE49-F238E27FC236}">
+                <a16:creationId xmlns:a16="http://schemas.microsoft.com/office/drawing/2014/main" id="{86568014-783D-0240-B507-3467F6F90626}"/>
+              </a:ext>
+            </a:extLst>
+          </p:cNvPr>
+          <p:cNvSpPr/>
+          <p:nvPr/>
+        </p:nvSpPr>
+        <p:spPr>
+          <a:xfrm rot="19929013">
+            <a:off x="3777287" y="2265051"/>
+            <a:ext cx="1226634" cy="432993"/>
+          </a:xfrm>
+          <a:prstGeom prst="stripedRightArrow">
+            <a:avLst/>
+          </a:prstGeom>
+        </p:spPr>
+        <p:style>
+          <a:lnRef idx="2">
+            <a:schemeClr val="accent1">
+              <a:shade val="50000"/>
+            </a:schemeClr>
+          </a:lnRef>
+          <a:fillRef idx="1">
+            <a:schemeClr val="accent1"/>
+          </a:fillRef>
+          <a:effectRef idx="0">
+            <a:schemeClr val="accent1"/>
+          </a:effectRef>
+          <a:fontRef idx="minor">
+            <a:schemeClr val="lt1"/>
+          </a:fontRef>
+        </p:style>
+        <p:txBody>
+          <a:bodyPr rtlCol="0" anchor="ctr"/>
+          <a:lstStyle/>
+          <a:p>
+            <a:pPr algn="ctr"/>
+            <a:endParaRPr lang="en-US"/>
+          </a:p>
+        </p:txBody>
+      </p:sp>
+      <p:sp>
+        <p:nvSpPr>
+          <p:cNvPr id="14" name="Right Arrow 13">
+            <a:extLst>
+              <a:ext uri="{FF2B5EF4-FFF2-40B4-BE49-F238E27FC236}">
+                <a16:creationId xmlns:a16="http://schemas.microsoft.com/office/drawing/2014/main" id="{2073BBF0-653A-F34B-8C12-818AB8F5F7FC}"/>
+              </a:ext>
+            </a:extLst>
+          </p:cNvPr>
+          <p:cNvSpPr/>
+          <p:nvPr/>
+        </p:nvSpPr>
+        <p:spPr>
+          <a:xfrm>
+            <a:off x="3965228" y="2959055"/>
+            <a:ext cx="4415883" cy="579183"/>
+          </a:xfrm>
+          <a:prstGeom prst="rightArrow">
+            <a:avLst/>
+          </a:prstGeom>
+          <a:solidFill>
+            <a:schemeClr val="accent6"/>
+          </a:solidFill>
+          <a:ln>
+            <a:solidFill>
+              <a:schemeClr val="accent6">
+                <a:lumMod val="75000"/>
+              </a:schemeClr>
+            </a:solidFill>
+          </a:ln>
+        </p:spPr>
+        <p:style>
+          <a:lnRef idx="2">
+            <a:schemeClr val="accent1">
+              <a:shade val="50000"/>
+            </a:schemeClr>
+          </a:lnRef>
+          <a:fillRef idx="1">
+            <a:schemeClr val="accent1"/>
+          </a:fillRef>
+          <a:effectRef idx="0">
+            <a:schemeClr val="accent1"/>
+          </a:effectRef>
+          <a:fontRef idx="minor">
+            <a:schemeClr val="lt1"/>
+          </a:fontRef>
+        </p:style>
+        <p:txBody>
+          <a:bodyPr rtlCol="0" anchor="ctr"/>
+          <a:lstStyle/>
+          <a:p>
+            <a:pPr algn="ctr"/>
+            <a:endParaRPr lang="en-US" dirty="0">
+              <a:solidFill>
+                <a:srgbClr val="7030A0"/>
+              </a:solidFill>
+              <a:highlight>
+                <a:srgbClr val="00FF00"/>
+              </a:highlight>
+            </a:endParaRPr>
           </a:p>
         </p:txBody>
       </p:sp>
     </p:spTree>
     <p:extLst>
       <p:ext uri="{BB962C8B-B14F-4D97-AF65-F5344CB8AC3E}">
-        <p14:creationId xmlns:p14="http://schemas.microsoft.com/office/powerpoint/2010/main" val="4210828069"/>
+        <p14:creationId xmlns:p14="http://schemas.microsoft.com/office/powerpoint/2010/main" val="3053061011"/>
       </p:ext>
     </p:extLst>
   </p:cSld>
@@ -4288,62 +4818,242 @@
           </a:bodyPr>
           <a:lstStyle/>
           <a:p>
-            <a:r>
-              <a:rPr lang="en-US" b="1" dirty="0"/>
-              <a:t>WHY COLLEGE PERSISTENCE?</a:t>
-            </a:r>
             <a:br>
               <a:rPr lang="en-US" b="1" u="sng" dirty="0"/>
             </a:br>
             <a:r>
               <a:rPr lang="en-US" b="1" u="sng" dirty="0"/>
-              <a:t>THE LITERATURE:</a:t>
-            </a:r>
-          </a:p>
-        </p:txBody>
-      </p:sp>
-      <p:sp>
-        <p:nvSpPr>
-          <p:cNvPr id="3" name="Content Placeholder 2">
+              <a:t>THE LITERATURE: On Retention</a:t>
+            </a:r>
+          </a:p>
+        </p:txBody>
+      </p:sp>
+      <p:sp>
+        <p:nvSpPr>
+          <p:cNvPr id="5" name="Content Placeholder 2">
             <a:extLst>
               <a:ext uri="{FF2B5EF4-FFF2-40B4-BE49-F238E27FC236}">
-                <a16:creationId xmlns:a16="http://schemas.microsoft.com/office/drawing/2014/main" id="{2DB31937-553F-2D40-A869-3EC0E5CB43F6}"/>
+                <a16:creationId xmlns:a16="http://schemas.microsoft.com/office/drawing/2014/main" id="{029B0990-3B62-C149-89AC-13E4B56DAC03}"/>
               </a:ext>
             </a:extLst>
           </p:cNvPr>
-          <p:cNvSpPr>
-            <a:spLocks noGrp="1"/>
-          </p:cNvSpPr>
-          <p:nvPr>
-            <p:ph idx="1"/>
-          </p:nvPr>
+          <p:cNvSpPr txBox="1">
+            <a:spLocks/>
+          </p:cNvSpPr>
+          <p:nvPr/>
         </p:nvSpPr>
         <p:spPr>
           <a:xfrm>
-            <a:off x="970156" y="1628077"/>
+            <a:off x="1122556" y="1780477"/>
             <a:ext cx="10950498" cy="4984596"/>
           </a:xfrm>
-        </p:spPr>
-        <p:txBody>
-          <a:bodyPr>
+          <a:prstGeom prst="rect">
+            <a:avLst/>
+          </a:prstGeom>
+        </p:spPr>
+        <p:txBody>
+          <a:bodyPr vert="horz" lIns="91440" tIns="45720" rIns="91440" bIns="45720" rtlCol="0">
             <a:normAutofit/>
           </a:bodyPr>
-          <a:lstStyle/>
+          <a:lstStyle>
+            <a:lvl1pPr marL="384048" indent="-384048" algn="l" defTabSz="914400" rtl="0" eaLnBrk="1" latinLnBrk="0" hangingPunct="1">
+              <a:lnSpc>
+                <a:spcPct val="94000"/>
+              </a:lnSpc>
+              <a:spcBef>
+                <a:spcPts val="1000"/>
+              </a:spcBef>
+              <a:spcAft>
+                <a:spcPts val="200"/>
+              </a:spcAft>
+              <a:buFont typeface="Franklin Gothic Book" panose="020B0503020102020204" pitchFamily="34" charset="0"/>
+              <a:buChar char="■"/>
+              <a:defRPr sz="2000" kern="1200" baseline="0">
+                <a:solidFill>
+                  <a:schemeClr val="tx2"/>
+                </a:solidFill>
+                <a:latin typeface="+mn-lt"/>
+                <a:ea typeface="+mn-ea"/>
+                <a:cs typeface="+mn-cs"/>
+              </a:defRPr>
+            </a:lvl1pPr>
+            <a:lvl2pPr marL="914400" indent="-384048" algn="l" defTabSz="914400" rtl="0" eaLnBrk="1" latinLnBrk="0" hangingPunct="1">
+              <a:lnSpc>
+                <a:spcPct val="94000"/>
+              </a:lnSpc>
+              <a:spcBef>
+                <a:spcPts val="500"/>
+              </a:spcBef>
+              <a:spcAft>
+                <a:spcPts val="200"/>
+              </a:spcAft>
+              <a:buFont typeface="Franklin Gothic Book" panose="020B0503020102020204" pitchFamily="34" charset="0"/>
+              <a:buChar char="–"/>
+              <a:defRPr sz="2000" i="1" kern="1200" baseline="0">
+                <a:solidFill>
+                  <a:schemeClr val="tx2"/>
+                </a:solidFill>
+                <a:latin typeface="+mn-lt"/>
+                <a:ea typeface="+mn-ea"/>
+                <a:cs typeface="+mn-cs"/>
+              </a:defRPr>
+            </a:lvl2pPr>
+            <a:lvl3pPr marL="1371600" indent="-384048" algn="l" defTabSz="914400" rtl="0" eaLnBrk="1" latinLnBrk="0" hangingPunct="1">
+              <a:lnSpc>
+                <a:spcPct val="94000"/>
+              </a:lnSpc>
+              <a:spcBef>
+                <a:spcPts val="500"/>
+              </a:spcBef>
+              <a:spcAft>
+                <a:spcPts val="200"/>
+              </a:spcAft>
+              <a:buFont typeface="Franklin Gothic Book" panose="020B0503020102020204" pitchFamily="34" charset="0"/>
+              <a:buChar char="■"/>
+              <a:defRPr sz="1800" kern="1200" baseline="0">
+                <a:solidFill>
+                  <a:schemeClr val="tx2"/>
+                </a:solidFill>
+                <a:latin typeface="+mn-lt"/>
+                <a:ea typeface="+mn-ea"/>
+                <a:cs typeface="+mn-cs"/>
+              </a:defRPr>
+            </a:lvl3pPr>
+            <a:lvl4pPr marL="1828800" indent="-384048" algn="l" defTabSz="914400" rtl="0" eaLnBrk="1" latinLnBrk="0" hangingPunct="1">
+              <a:lnSpc>
+                <a:spcPct val="94000"/>
+              </a:lnSpc>
+              <a:spcBef>
+                <a:spcPts val="500"/>
+              </a:spcBef>
+              <a:spcAft>
+                <a:spcPts val="200"/>
+              </a:spcAft>
+              <a:buFont typeface="Franklin Gothic Book" panose="020B0503020102020204" pitchFamily="34" charset="0"/>
+              <a:buChar char="–"/>
+              <a:defRPr sz="1800" i="1" kern="1200" baseline="0">
+                <a:solidFill>
+                  <a:schemeClr val="tx2"/>
+                </a:solidFill>
+                <a:latin typeface="+mn-lt"/>
+                <a:ea typeface="+mn-ea"/>
+                <a:cs typeface="+mn-cs"/>
+              </a:defRPr>
+            </a:lvl4pPr>
+            <a:lvl5pPr marL="2286000" indent="-384048" algn="l" defTabSz="914400" rtl="0" eaLnBrk="1" latinLnBrk="0" hangingPunct="1">
+              <a:lnSpc>
+                <a:spcPct val="94000"/>
+              </a:lnSpc>
+              <a:spcBef>
+                <a:spcPts val="500"/>
+              </a:spcBef>
+              <a:spcAft>
+                <a:spcPts val="200"/>
+              </a:spcAft>
+              <a:buFont typeface="Franklin Gothic Book" panose="020B0503020102020204" pitchFamily="34" charset="0"/>
+              <a:buChar char="■"/>
+              <a:defRPr sz="1600" kern="1200" baseline="0">
+                <a:solidFill>
+                  <a:schemeClr val="tx2"/>
+                </a:solidFill>
+                <a:latin typeface="+mn-lt"/>
+                <a:ea typeface="+mn-ea"/>
+                <a:cs typeface="+mn-cs"/>
+              </a:defRPr>
+            </a:lvl5pPr>
+            <a:lvl6pPr marL="2743200" indent="-384048" algn="l" defTabSz="914400" rtl="0" eaLnBrk="1" latinLnBrk="0" hangingPunct="1">
+              <a:lnSpc>
+                <a:spcPct val="94000"/>
+              </a:lnSpc>
+              <a:spcBef>
+                <a:spcPts val="500"/>
+              </a:spcBef>
+              <a:spcAft>
+                <a:spcPts val="200"/>
+              </a:spcAft>
+              <a:buFont typeface="Franklin Gothic Book" panose="020B0503020102020204" pitchFamily="34" charset="0"/>
+              <a:buChar char="–"/>
+              <a:defRPr sz="1600" i="1" kern="1200" baseline="0">
+                <a:solidFill>
+                  <a:schemeClr val="tx2"/>
+                </a:solidFill>
+                <a:latin typeface="+mn-lt"/>
+                <a:ea typeface="+mn-ea"/>
+                <a:cs typeface="+mn-cs"/>
+              </a:defRPr>
+            </a:lvl6pPr>
+            <a:lvl7pPr marL="3200400" indent="-384048" algn="l" defTabSz="914400" rtl="0" eaLnBrk="1" latinLnBrk="0" hangingPunct="1">
+              <a:lnSpc>
+                <a:spcPct val="94000"/>
+              </a:lnSpc>
+              <a:spcBef>
+                <a:spcPts val="500"/>
+              </a:spcBef>
+              <a:spcAft>
+                <a:spcPts val="200"/>
+              </a:spcAft>
+              <a:buFont typeface="Franklin Gothic Book" panose="020B0503020102020204" pitchFamily="34" charset="0"/>
+              <a:buChar char="■"/>
+              <a:defRPr sz="1400" kern="1200" baseline="0">
+                <a:solidFill>
+                  <a:schemeClr val="tx2"/>
+                </a:solidFill>
+                <a:latin typeface="+mn-lt"/>
+                <a:ea typeface="+mn-ea"/>
+                <a:cs typeface="+mn-cs"/>
+              </a:defRPr>
+            </a:lvl7pPr>
+            <a:lvl8pPr marL="3657600" indent="-384048" algn="l" defTabSz="914400" rtl="0" eaLnBrk="1" latinLnBrk="0" hangingPunct="1">
+              <a:lnSpc>
+                <a:spcPct val="94000"/>
+              </a:lnSpc>
+              <a:spcBef>
+                <a:spcPts val="500"/>
+              </a:spcBef>
+              <a:spcAft>
+                <a:spcPts val="200"/>
+              </a:spcAft>
+              <a:buFont typeface="Franklin Gothic Book" panose="020B0503020102020204" pitchFamily="34" charset="0"/>
+              <a:buChar char="–"/>
+              <a:defRPr sz="1400" i="1" kern="1200" baseline="0">
+                <a:solidFill>
+                  <a:schemeClr val="tx2"/>
+                </a:solidFill>
+                <a:latin typeface="+mn-lt"/>
+                <a:ea typeface="+mn-ea"/>
+                <a:cs typeface="+mn-cs"/>
+              </a:defRPr>
+            </a:lvl8pPr>
+            <a:lvl9pPr marL="4114800" indent="-384048" algn="l" defTabSz="914400" rtl="0" eaLnBrk="1" latinLnBrk="0" hangingPunct="1">
+              <a:lnSpc>
+                <a:spcPct val="94000"/>
+              </a:lnSpc>
+              <a:spcBef>
+                <a:spcPts val="500"/>
+              </a:spcBef>
+              <a:spcAft>
+                <a:spcPts val="200"/>
+              </a:spcAft>
+              <a:buFont typeface="Franklin Gothic Book" panose="020B0503020102020204" pitchFamily="34" charset="0"/>
+              <a:buChar char="■"/>
+              <a:defRPr sz="1400" kern="1200" baseline="0">
+                <a:solidFill>
+                  <a:schemeClr val="tx2"/>
+                </a:solidFill>
+                <a:latin typeface="+mn-lt"/>
+                <a:ea typeface="+mn-ea"/>
+                <a:cs typeface="+mn-cs"/>
+              </a:defRPr>
+            </a:lvl9pPr>
+          </a:lstStyle>
           <a:p>
             <a:r>
               <a:rPr lang="en-US" sz="3200" b="1" dirty="0"/>
-              <a:t>Assessment of student behavior &amp; disciplinary outcomes </a:t>
-            </a:r>
-            <a:r>
-              <a:rPr lang="en-US" sz="1800" dirty="0"/>
-              <a:t>(Bates &amp; Glick 2013; Lindsay &amp; Hart 2017)</a:t>
-            </a:r>
-            <a:endParaRPr lang="en-US" sz="3200" dirty="0"/>
-          </a:p>
-          <a:p>
-            <a:r>
-              <a:rPr lang="en-US" sz="3200" b="1" dirty="0"/>
-              <a:t>Expectation of student potential </a:t>
+              <a:t>High School Achievement</a:t>
+            </a:r>
+            <a:r>
+              <a:rPr lang="en-US" sz="3200" dirty="0"/>
+              <a:t> </a:t>
             </a:r>
             <a:r>
               <a:rPr lang="en-US" sz="1800" dirty="0"/>
@@ -4351,98 +5061,64 @@
             </a:r>
             <a:r>
               <a:rPr lang="en-US" sz="1800" dirty="0" err="1"/>
-              <a:t>Gershenson</a:t>
+              <a:t>Astin</a:t>
             </a:r>
             <a:r>
               <a:rPr lang="en-US" sz="1800" dirty="0"/>
-              <a:t>, Holt, Papageorge 2016; </a:t>
+              <a:t>, </a:t>
             </a:r>
             <a:r>
               <a:rPr lang="en-US" sz="1800" dirty="0" err="1"/>
-              <a:t>McGrady</a:t>
+              <a:t>Korn</a:t>
             </a:r>
             <a:r>
               <a:rPr lang="en-US" sz="1800" dirty="0"/>
-              <a:t> and Reynolds 2012; Dee 2005)</a:t>
-            </a:r>
+              <a:t>, Green 1987)</a:t>
+            </a:r>
+            <a:endParaRPr lang="en-US" sz="1800" b="1" dirty="0"/>
           </a:p>
           <a:p>
             <a:r>
               <a:rPr lang="en-US" sz="3200" b="1" dirty="0"/>
-              <a:t>Representation of non-white students in gifted programs</a:t>
-            </a:r>
-            <a:r>
-              <a:rPr lang="en-US" sz="3200" dirty="0"/>
-              <a:t> </a:t>
+              <a:t>Integration into academic and social community </a:t>
             </a:r>
             <a:r>
               <a:rPr lang="en-US" sz="1800" dirty="0"/>
-              <a:t>(Grissom, Rodriguez, Kern 2017)</a:t>
-            </a:r>
-            <a:endParaRPr lang="en-US" sz="3200" dirty="0"/>
+              <a:t>(Tinto 1975, 1987)</a:t>
+            </a:r>
           </a:p>
           <a:p>
             <a:r>
               <a:rPr lang="en-US" sz="3200" b="1" dirty="0"/>
-              <a:t>Math &amp; reading achievement</a:t>
-            </a:r>
-            <a:r>
-              <a:rPr lang="en-US" sz="3200" dirty="0"/>
-              <a:t> </a:t>
-            </a:r>
-            <a:r>
-              <a:rPr lang="en-US" sz="1800" dirty="0"/>
-              <a:t>(Dee 2004; </a:t>
-            </a:r>
-            <a:r>
-              <a:rPr lang="en-US" sz="1800" dirty="0" err="1"/>
-              <a:t>Clotfelter</a:t>
-            </a:r>
-            <a:r>
-              <a:rPr lang="en-US" sz="1800" dirty="0"/>
-              <a:t>, Ladd, and </a:t>
-            </a:r>
-            <a:r>
-              <a:rPr lang="en-US" sz="1800" dirty="0" err="1"/>
-              <a:t>Vigdor</a:t>
-            </a:r>
-            <a:r>
-              <a:rPr lang="en-US" sz="1800" dirty="0"/>
-              <a:t> 2007)</a:t>
-            </a:r>
-            <a:endParaRPr lang="en-US" sz="3200" dirty="0"/>
+              <a:t>Demographic Traits</a:t>
+            </a:r>
           </a:p>
           <a:p>
             <a:r>
               <a:rPr lang="en-US" sz="3200" b="1" dirty="0"/>
-              <a:t>Student perception of non-white teachers </a:t>
+              <a:t>Psychological Traits </a:t>
             </a:r>
             <a:r>
               <a:rPr lang="en-US" sz="1800" dirty="0"/>
               <a:t>(</a:t>
             </a:r>
             <a:r>
+              <a:rPr lang="en-US" sz="1800"/>
+              <a:t>Trapmann, </a:t>
+            </a:r>
+            <a:r>
+              <a:rPr lang="en-US" sz="1800" dirty="0"/>
+              <a:t>Hell, </a:t>
+            </a:r>
+            <a:r>
               <a:rPr lang="en-US" sz="1800" dirty="0" err="1"/>
-              <a:t>Cherng</a:t>
+              <a:t>Hirn</a:t>
             </a:r>
             <a:r>
               <a:rPr lang="en-US" sz="1800" dirty="0"/>
-              <a:t> &amp; </a:t>
-            </a:r>
-            <a:r>
-              <a:rPr lang="en-US" sz="1800" dirty="0" err="1"/>
-              <a:t>Halpin</a:t>
-            </a:r>
-            <a:r>
-              <a:rPr lang="en-US" sz="1800" dirty="0"/>
-              <a:t> 2016)</a:t>
-            </a:r>
-          </a:p>
-          <a:p>
-            <a:endParaRPr lang="en-US" sz="3200" dirty="0"/>
-          </a:p>
-          <a:p>
-            <a:endParaRPr lang="en-US" sz="3200" dirty="0"/>
+              <a:t>, Schuler 2007)</a:t>
+            </a:r>
+            <a:endParaRPr lang="en-US" sz="1800" b="1" dirty="0"/>
           </a:p>
           <a:p>
             <a:endParaRPr lang="en-US" sz="3200" dirty="0"/>
@@ -4507,16 +5183,12 @@
           </a:bodyPr>
           <a:lstStyle/>
           <a:p>
-            <a:r>
-              <a:rPr lang="en-US" b="1" dirty="0"/>
-              <a:t>WHY COLLEGE PERSISTENCE?</a:t>
-            </a:r>
             <a:br>
               <a:rPr lang="en-US" b="1" u="sng" dirty="0"/>
             </a:br>
             <a:r>
               <a:rPr lang="en-US" b="1" u="sng" dirty="0"/>
-              <a:t>THE LITERATURE:</a:t>
+              <a:t>THE LITERATURE: Racial Matching</a:t>
             </a:r>
           </a:p>
         </p:txBody>
@@ -4703,7 +5375,7 @@
           <p:cNvPr id="2" name="Title 1">
             <a:extLst>
               <a:ext uri="{FF2B5EF4-FFF2-40B4-BE49-F238E27FC236}">
-                <a16:creationId xmlns:a16="http://schemas.microsoft.com/office/drawing/2014/main" id="{2CAE27E3-BF01-9E43-A7AD-D7460EE36B90}"/>
+                <a16:creationId xmlns:a16="http://schemas.microsoft.com/office/drawing/2014/main" id="{FB7FDF8B-BD21-ED4A-8AA4-4E5159AAC8DA}"/>
               </a:ext>
             </a:extLst>
           </p:cNvPr>
@@ -4716,8 +5388,41 @@
         </p:nvSpPr>
         <p:spPr>
           <a:xfrm>
-            <a:off x="970156" y="125265"/>
-            <a:ext cx="9601200" cy="1380150"/>
+            <a:off x="1260088" y="694721"/>
+            <a:ext cx="9601200" cy="853440"/>
+          </a:xfrm>
+        </p:spPr>
+        <p:txBody>
+          <a:bodyPr/>
+          <a:lstStyle/>
+          <a:p>
+            <a:r>
+              <a:rPr lang="en-US" b="1" u="sng" dirty="0"/>
+              <a:t>THE DATA:</a:t>
+            </a:r>
+          </a:p>
+        </p:txBody>
+      </p:sp>
+      <p:sp>
+        <p:nvSpPr>
+          <p:cNvPr id="3" name="Content Placeholder 2">
+            <a:extLst>
+              <a:ext uri="{FF2B5EF4-FFF2-40B4-BE49-F238E27FC236}">
+                <a16:creationId xmlns:a16="http://schemas.microsoft.com/office/drawing/2014/main" id="{20056782-E8CA-814E-BD69-C0760C15A093}"/>
+              </a:ext>
+            </a:extLst>
+          </p:cNvPr>
+          <p:cNvSpPr>
+            <a:spLocks noGrp="1"/>
+          </p:cNvSpPr>
+          <p:nvPr>
+            <p:ph idx="1"/>
+          </p:nvPr>
+        </p:nvSpPr>
+        <p:spPr>
+          <a:xfrm>
+            <a:off x="1260088" y="1548160"/>
+            <a:ext cx="9601200" cy="4707673"/>
           </a:xfrm>
         </p:spPr>
         <p:txBody>
@@ -4727,170 +5432,84 @@
           <a:lstStyle/>
           <a:p>
             <a:r>
-              <a:rPr lang="en-US" b="1" dirty="0"/>
-              <a:t>WHY COLLEGE PERSISTENCE?</a:t>
-            </a:r>
-            <a:br>
-              <a:rPr lang="en-US" b="1" u="sng" dirty="0"/>
-            </a:br>
-            <a:r>
-              <a:rPr lang="en-US" b="1" u="sng" dirty="0"/>
-              <a:t>THE LITERATURE:</a:t>
-            </a:r>
-          </a:p>
-        </p:txBody>
-      </p:sp>
-      <p:sp>
-        <p:nvSpPr>
-          <p:cNvPr id="3" name="Content Placeholder 2">
-            <a:extLst>
-              <a:ext uri="{FF2B5EF4-FFF2-40B4-BE49-F238E27FC236}">
-                <a16:creationId xmlns:a16="http://schemas.microsoft.com/office/drawing/2014/main" id="{2DB31937-553F-2D40-A869-3EC0E5CB43F6}"/>
-              </a:ext>
-            </a:extLst>
-          </p:cNvPr>
-          <p:cNvSpPr>
-            <a:spLocks noGrp="1"/>
-          </p:cNvSpPr>
-          <p:nvPr>
-            <p:ph idx="1"/>
-          </p:nvPr>
-        </p:nvSpPr>
-        <p:spPr>
-          <a:xfrm>
-            <a:off x="970156" y="1628077"/>
-            <a:ext cx="10950498" cy="4984596"/>
-          </a:xfrm>
-        </p:spPr>
-        <p:txBody>
-          <a:bodyPr>
-            <a:normAutofit/>
-          </a:bodyPr>
-          <a:lstStyle/>
-          <a:p>
-            <a:r>
               <a:rPr lang="en-US" sz="3200" b="1" dirty="0"/>
-              <a:t>Assessment of student behavior &amp; disciplinary outcomes </a:t>
-            </a:r>
-            <a:r>
-              <a:rPr lang="en-US" sz="1800" dirty="0"/>
-              <a:t>(Bates &amp; Glick 2013; Lindsay &amp; Hart 2017)</a:t>
-            </a:r>
-            <a:endParaRPr lang="en-US" sz="3200" dirty="0"/>
+              <a:t>Teacher &amp; Administration Demographics: </a:t>
+            </a:r>
+            <a:r>
+              <a:rPr lang="en-US" sz="3200" dirty="0"/>
+              <a:t>Chicago Public Schools</a:t>
+            </a:r>
+          </a:p>
+          <a:p>
+            <a:pPr lvl="1"/>
+            <a:r>
+              <a:rPr lang="en-US" sz="3200" dirty="0"/>
+              <a:t>Individual teachers at each school</a:t>
+            </a:r>
+          </a:p>
+          <a:p>
+            <a:pPr lvl="2"/>
+            <a:r>
+              <a:rPr lang="en-US" sz="2800" dirty="0"/>
+              <a:t>Impute race/ethnicity of each teacher</a:t>
+            </a:r>
+          </a:p>
+          <a:p>
+            <a:pPr lvl="2"/>
+            <a:r>
+              <a:rPr lang="en-US" sz="2800" b="1" i="1" dirty="0" err="1">
+                <a:solidFill>
+                  <a:schemeClr val="accent5">
+                    <a:lumMod val="75000"/>
+                  </a:schemeClr>
+                </a:solidFill>
+              </a:rPr>
+              <a:t>NamSor</a:t>
+            </a:r>
+            <a:endParaRPr lang="en-US" sz="2800" b="1" i="1" dirty="0">
+              <a:solidFill>
+                <a:schemeClr val="accent5">
+                  <a:lumMod val="75000"/>
+                </a:schemeClr>
+              </a:solidFill>
+            </a:endParaRPr>
+          </a:p>
+          <a:p>
+            <a:pPr lvl="2"/>
+            <a:r>
+              <a:rPr lang="en-US" sz="2800" b="1" i="1" dirty="0" err="1">
+                <a:solidFill>
+                  <a:schemeClr val="accent5">
+                    <a:lumMod val="75000"/>
+                  </a:schemeClr>
+                </a:solidFill>
+              </a:rPr>
+              <a:t>ethnicolr</a:t>
+            </a:r>
+            <a:endParaRPr lang="en-US" sz="2800" b="1" i="1" dirty="0">
+              <a:solidFill>
+                <a:schemeClr val="accent5">
+                  <a:lumMod val="75000"/>
+                </a:schemeClr>
+              </a:solidFill>
+            </a:endParaRPr>
           </a:p>
           <a:p>
             <a:r>
               <a:rPr lang="en-US" sz="3200" b="1" dirty="0"/>
-              <a:t>Expectation of student potential </a:t>
-            </a:r>
-            <a:r>
-              <a:rPr lang="en-US" sz="1800" dirty="0"/>
-              <a:t>(</a:t>
-            </a:r>
-            <a:r>
-              <a:rPr lang="en-US" sz="1800" dirty="0" err="1"/>
-              <a:t>Gershenson</a:t>
-            </a:r>
-            <a:r>
-              <a:rPr lang="en-US" sz="1800" dirty="0"/>
-              <a:t>, Holt, Papageorge 2016; </a:t>
-            </a:r>
-            <a:r>
-              <a:rPr lang="en-US" sz="1800" dirty="0" err="1"/>
-              <a:t>McGrady</a:t>
-            </a:r>
-            <a:r>
-              <a:rPr lang="en-US" sz="1800" dirty="0"/>
-              <a:t> and Reynolds 2012; Dee 2005)</a:t>
-            </a:r>
-          </a:p>
-          <a:p>
-            <a:r>
-              <a:rPr lang="en-US" sz="3200" b="1" dirty="0"/>
-              <a:t>Representation of non-white students in gifted programs</a:t>
+              <a:t>College Attendance &amp; Persistence Rates: </a:t>
             </a:r>
             <a:r>
               <a:rPr lang="en-US" sz="3200" dirty="0"/>
-              <a:t> </a:t>
-            </a:r>
-            <a:r>
-              <a:rPr lang="en-US" sz="1800" dirty="0"/>
-              <a:t>(Grissom, Rodriguez, Kern 2017)</a:t>
-            </a:r>
-            <a:endParaRPr lang="en-US" sz="3200" dirty="0"/>
-          </a:p>
-          <a:p>
-            <a:r>
-              <a:rPr lang="en-US" sz="3200" b="1" dirty="0"/>
-              <a:t>Math &amp; reading achievement</a:t>
-            </a:r>
-            <a:r>
-              <a:rPr lang="en-US" sz="3200" dirty="0"/>
-              <a:t> </a:t>
-            </a:r>
-            <a:r>
-              <a:rPr lang="en-US" sz="1800" dirty="0"/>
-              <a:t>(Dee 2004; </a:t>
-            </a:r>
-            <a:r>
-              <a:rPr lang="en-US" sz="1800" dirty="0" err="1"/>
-              <a:t>Clotfelter</a:t>
-            </a:r>
-            <a:r>
-              <a:rPr lang="en-US" sz="1800" dirty="0"/>
-              <a:t>, Ladd, and </a:t>
-            </a:r>
-            <a:r>
-              <a:rPr lang="en-US" sz="1800" dirty="0" err="1"/>
-              <a:t>Vigdor</a:t>
-            </a:r>
-            <a:r>
-              <a:rPr lang="en-US" sz="1800" dirty="0"/>
-              <a:t> 2007)</a:t>
-            </a:r>
-            <a:endParaRPr lang="en-US" sz="3200" dirty="0"/>
-          </a:p>
-          <a:p>
-            <a:r>
-              <a:rPr lang="en-US" sz="3200" b="1" dirty="0"/>
-              <a:t>Student perception of non-white teachers </a:t>
-            </a:r>
-            <a:r>
-              <a:rPr lang="en-US" sz="1800" dirty="0"/>
-              <a:t>(</a:t>
-            </a:r>
-            <a:r>
-              <a:rPr lang="en-US" sz="1800" dirty="0" err="1"/>
-              <a:t>Cherng</a:t>
-            </a:r>
-            <a:r>
-              <a:rPr lang="en-US" sz="1800" dirty="0"/>
-              <a:t> &amp; </a:t>
-            </a:r>
-            <a:r>
-              <a:rPr lang="en-US" sz="1800" dirty="0" err="1"/>
-              <a:t>Halpin</a:t>
-            </a:r>
-            <a:r>
-              <a:rPr lang="en-US" sz="1800" dirty="0"/>
-              <a:t> 2016)</a:t>
-            </a:r>
-          </a:p>
-          <a:p>
-            <a:endParaRPr lang="en-US" sz="3200" dirty="0"/>
-          </a:p>
-          <a:p>
-            <a:endParaRPr lang="en-US" sz="3200" dirty="0"/>
-          </a:p>
-          <a:p>
-            <a:endParaRPr lang="en-US" sz="3200" dirty="0"/>
+              <a:t>National Student Clearinghouse</a:t>
+            </a:r>
           </a:p>
         </p:txBody>
       </p:sp>
     </p:spTree>
     <p:extLst>
       <p:ext uri="{BB962C8B-B14F-4D97-AF65-F5344CB8AC3E}">
-        <p14:creationId xmlns:p14="http://schemas.microsoft.com/office/powerpoint/2010/main" val="3259588286"/>
+        <p14:creationId xmlns:p14="http://schemas.microsoft.com/office/powerpoint/2010/main" val="3795658695"/>
       </p:ext>
     </p:extLst>
   </p:cSld>
@@ -4922,7 +5541,7 @@
           <p:cNvPr id="2" name="Title 1">
             <a:extLst>
               <a:ext uri="{FF2B5EF4-FFF2-40B4-BE49-F238E27FC236}">
-                <a16:creationId xmlns:a16="http://schemas.microsoft.com/office/drawing/2014/main" id="{FB7FDF8B-BD21-ED4A-8AA4-4E5159AAC8DA}"/>
+                <a16:creationId xmlns:a16="http://schemas.microsoft.com/office/drawing/2014/main" id="{55AA0770-D06F-2348-B24F-9122EFCF92AB}"/>
               </a:ext>
             </a:extLst>
           </p:cNvPr>
@@ -4933,130 +5552,244 @@
             <p:ph type="title"/>
           </p:nvPr>
         </p:nvSpPr>
-        <p:spPr>
-          <a:xfrm>
-            <a:off x="1260088" y="694721"/>
-            <a:ext cx="9601200" cy="853440"/>
-          </a:xfrm>
-        </p:spPr>
+        <p:spPr/>
         <p:txBody>
           <a:bodyPr/>
           <a:lstStyle/>
           <a:p>
             <a:r>
               <a:rPr lang="en-US" b="1" u="sng" dirty="0"/>
-              <a:t>THE DATA:</a:t>
-            </a:r>
-          </a:p>
-        </p:txBody>
-      </p:sp>
-      <p:sp>
-        <p:nvSpPr>
-          <p:cNvPr id="3" name="Content Placeholder 2">
-            <a:extLst>
-              <a:ext uri="{FF2B5EF4-FFF2-40B4-BE49-F238E27FC236}">
-                <a16:creationId xmlns:a16="http://schemas.microsoft.com/office/drawing/2014/main" id="{20056782-E8CA-814E-BD69-C0760C15A093}"/>
-              </a:ext>
-            </a:extLst>
-          </p:cNvPr>
-          <p:cNvSpPr>
-            <a:spLocks noGrp="1"/>
-          </p:cNvSpPr>
-          <p:nvPr>
-            <p:ph idx="1"/>
-          </p:nvPr>
-        </p:nvSpPr>
-        <p:spPr>
-          <a:xfrm>
-            <a:off x="1260088" y="1548160"/>
-            <a:ext cx="9601200" cy="4707673"/>
-          </a:xfrm>
-        </p:spPr>
-        <p:txBody>
-          <a:bodyPr>
-            <a:normAutofit/>
-          </a:bodyPr>
-          <a:lstStyle/>
-          <a:p>
-            <a:r>
-              <a:rPr lang="en-US" sz="3200" b="1" dirty="0"/>
-              <a:t>Teacher &amp; Administration Demographics: </a:t>
-            </a:r>
-            <a:r>
-              <a:rPr lang="en-US" sz="3200" dirty="0"/>
-              <a:t>Chicago Public Schools</a:t>
-            </a:r>
-          </a:p>
-          <a:p>
-            <a:pPr lvl="1"/>
-            <a:r>
-              <a:rPr lang="en-US" sz="3200" dirty="0"/>
-              <a:t>Individual teachers at each school</a:t>
-            </a:r>
-          </a:p>
-          <a:p>
-            <a:pPr lvl="2"/>
-            <a:r>
-              <a:rPr lang="en-US" sz="2800" dirty="0"/>
-              <a:t>Impute race/ethnicity of each teacher</a:t>
-            </a:r>
-          </a:p>
-          <a:p>
-            <a:pPr lvl="2"/>
-            <a:r>
-              <a:rPr lang="en-US" sz="2800" b="1" i="1" dirty="0" err="1">
-                <a:solidFill>
-                  <a:schemeClr val="accent5">
-                    <a:lumMod val="75000"/>
-                  </a:schemeClr>
-                </a:solidFill>
-              </a:rPr>
-              <a:t>NamSor</a:t>
-            </a:r>
-            <a:endParaRPr lang="en-US" sz="2800" b="1" i="1" dirty="0">
-              <a:solidFill>
-                <a:schemeClr val="accent5">
-                  <a:lumMod val="75000"/>
-                </a:schemeClr>
-              </a:solidFill>
-            </a:endParaRPr>
-          </a:p>
-          <a:p>
-            <a:pPr lvl="2"/>
-            <a:r>
-              <a:rPr lang="en-US" sz="2800" b="1" i="1" dirty="0" err="1">
-                <a:solidFill>
-                  <a:schemeClr val="accent5">
-                    <a:lumMod val="75000"/>
-                  </a:schemeClr>
-                </a:solidFill>
-              </a:rPr>
-              <a:t>ethnicolr</a:t>
-            </a:r>
-            <a:endParaRPr lang="en-US" sz="2800" b="1" i="1" dirty="0">
-              <a:solidFill>
-                <a:schemeClr val="accent5">
-                  <a:lumMod val="75000"/>
-                </a:schemeClr>
-              </a:solidFill>
-            </a:endParaRPr>
-          </a:p>
-          <a:p>
-            <a:r>
-              <a:rPr lang="en-US" sz="3200" b="1" dirty="0"/>
-              <a:t>College Attendance &amp; Persistence Rates: </a:t>
-            </a:r>
-            <a:r>
-              <a:rPr lang="en-US" sz="3200" dirty="0"/>
-              <a:t>National Student Clearinghouse</a:t>
-            </a:r>
-          </a:p>
-        </p:txBody>
-      </p:sp>
+              <a:t>METHODS &amp; MODELS</a:t>
+            </a:r>
+          </a:p>
+        </p:txBody>
+      </p:sp>
+      <mc:AlternateContent xmlns:mc="http://schemas.openxmlformats.org/markup-compatibility/2006">
+        <mc:Choice xmlns:a14="http://schemas.microsoft.com/office/drawing/2010/main" Requires="a14">
+          <p:sp>
+            <p:nvSpPr>
+              <p:cNvPr id="3" name="Content Placeholder 2">
+                <a:extLst>
+                  <a:ext uri="{FF2B5EF4-FFF2-40B4-BE49-F238E27FC236}">
+                    <a16:creationId xmlns:a16="http://schemas.microsoft.com/office/drawing/2014/main" id="{A735D053-1A0A-DC47-B374-3BB59C178D21}"/>
+                  </a:ext>
+                </a:extLst>
+              </p:cNvPr>
+              <p:cNvSpPr>
+                <a:spLocks noGrp="1"/>
+              </p:cNvSpPr>
+              <p:nvPr>
+                <p:ph idx="1"/>
+              </p:nvPr>
+            </p:nvSpPr>
+            <p:spPr>
+              <a:xfrm>
+                <a:off x="1371600" y="1773044"/>
+                <a:ext cx="9601200" cy="3581400"/>
+              </a:xfrm>
+            </p:spPr>
+            <p:txBody>
+              <a:bodyPr>
+                <a:normAutofit/>
+              </a:bodyPr>
+              <a:lstStyle/>
+              <a:p>
+                <a:pPr marL="0" indent="0">
+                  <a:buNone/>
+                </a:pPr>
+                <a14:m>
+                  <m:oMath xmlns:m="http://schemas.openxmlformats.org/officeDocument/2006/math">
+                    <m:r>
+                      <a:rPr lang="en-US" sz="2800" b="0" i="1" smtClean="0">
+                        <a:latin typeface="Cambria Math" panose="02040503050406030204" pitchFamily="18" charset="0"/>
+                      </a:rPr>
+                      <m:t>𝑅𝑒𝑡𝑒𝑛𝑡𝑖𝑜𝑛</m:t>
+                    </m:r>
+                  </m:oMath>
+                </a14:m>
+                <a:r>
+                  <a:rPr lang="en-US" sz="2800" dirty="0"/>
+                  <a:t> = </a:t>
+                </a:r>
+                <a14:m>
+                  <m:oMath xmlns:m="http://schemas.openxmlformats.org/officeDocument/2006/math">
+                    <m:sSub>
+                      <m:sSubPr>
+                        <m:ctrlPr>
+                          <a:rPr lang="en-US" sz="2800" i="1" smtClean="0">
+                            <a:latin typeface="Cambria Math" panose="02040503050406030204" pitchFamily="18" charset="0"/>
+                          </a:rPr>
+                        </m:ctrlPr>
+                      </m:sSubPr>
+                      <m:e>
+                        <m:r>
+                          <a:rPr lang="en-US" sz="2800" i="1" smtClean="0">
+                            <a:latin typeface="Cambria Math" panose="02040503050406030204" pitchFamily="18" charset="0"/>
+                            <a:ea typeface="Cambria Math" panose="02040503050406030204" pitchFamily="18" charset="0"/>
+                          </a:rPr>
+                          <m:t>𝛽</m:t>
+                        </m:r>
+                      </m:e>
+                      <m:sub>
+                        <m:r>
+                          <a:rPr lang="en-US" sz="2800" b="0" i="1" smtClean="0">
+                            <a:latin typeface="Cambria Math" panose="02040503050406030204" pitchFamily="18" charset="0"/>
+                          </a:rPr>
+                          <m:t>0 </m:t>
+                        </m:r>
+                      </m:sub>
+                    </m:sSub>
+                    <m:r>
+                      <a:rPr lang="en-US" sz="2800" b="0" i="1" smtClean="0">
+                        <a:latin typeface="Cambria Math" panose="02040503050406030204" pitchFamily="18" charset="0"/>
+                      </a:rPr>
+                      <m:t>+ </m:t>
+                    </m:r>
+                    <m:sSub>
+                      <m:sSubPr>
+                        <m:ctrlPr>
+                          <a:rPr lang="en-US" sz="2800" i="1" smtClean="0">
+                            <a:latin typeface="Cambria Math" panose="02040503050406030204" pitchFamily="18" charset="0"/>
+                          </a:rPr>
+                        </m:ctrlPr>
+                      </m:sSubPr>
+                      <m:e>
+                        <m:r>
+                          <a:rPr lang="en-US" sz="2800" i="1" smtClean="0">
+                            <a:latin typeface="Cambria Math" panose="02040503050406030204" pitchFamily="18" charset="0"/>
+                            <a:ea typeface="Cambria Math" panose="02040503050406030204" pitchFamily="18" charset="0"/>
+                          </a:rPr>
+                          <m:t>𝛽</m:t>
+                        </m:r>
+                      </m:e>
+                      <m:sub>
+                        <m:r>
+                          <a:rPr lang="en-US" sz="2800" b="0" i="1" smtClean="0">
+                            <a:latin typeface="Cambria Math" panose="02040503050406030204" pitchFamily="18" charset="0"/>
+                          </a:rPr>
+                          <m:t>1</m:t>
+                        </m:r>
+                      </m:sub>
+                    </m:sSub>
+                    <m:d>
+                      <m:dPr>
+                        <m:ctrlPr>
+                          <a:rPr lang="en-US" sz="2800" b="0" i="0" smtClean="0">
+                            <a:latin typeface="Cambria Math" panose="02040503050406030204" pitchFamily="18" charset="0"/>
+                          </a:rPr>
+                        </m:ctrlPr>
+                      </m:dPr>
+                      <m:e>
+                        <m:r>
+                          <a:rPr lang="en-US" sz="2800" b="0" i="1" smtClean="0">
+                            <a:latin typeface="Cambria Math" panose="02040503050406030204" pitchFamily="18" charset="0"/>
+                          </a:rPr>
+                          <m:t>𝐵𝑢𝑟𝑒𝑎𝑐𝑟𝑎𝑡𝑖𝑐𝑅𝑒𝑝𝑟𝑒𝑠𝑒𝑛𝑡𝑎𝑡𝑖𝑜𝑛</m:t>
+                        </m:r>
+                      </m:e>
+                    </m:d>
+                    <m:r>
+                      <a:rPr lang="en-US" sz="2800" b="0" i="1" smtClean="0">
+                        <a:latin typeface="Cambria Math" panose="02040503050406030204" pitchFamily="18" charset="0"/>
+                      </a:rPr>
+                      <m:t>+ </m:t>
+                    </m:r>
+                    <m:sSub>
+                      <m:sSubPr>
+                        <m:ctrlPr>
+                          <a:rPr lang="en-US" sz="2800" b="0" i="1" smtClean="0">
+                            <a:latin typeface="Cambria Math" panose="02040503050406030204" pitchFamily="18" charset="0"/>
+                          </a:rPr>
+                        </m:ctrlPr>
+                      </m:sSubPr>
+                      <m:e>
+                        <m:r>
+                          <a:rPr lang="en-US" sz="2800" b="0" i="1" smtClean="0">
+                            <a:latin typeface="Cambria Math" panose="02040503050406030204" pitchFamily="18" charset="0"/>
+                            <a:ea typeface="Cambria Math" panose="02040503050406030204" pitchFamily="18" charset="0"/>
+                          </a:rPr>
+                          <m:t>𝛽</m:t>
+                        </m:r>
+                      </m:e>
+                      <m:sub>
+                        <m:r>
+                          <a:rPr lang="en-US" sz="2800" b="0" i="1" smtClean="0">
+                            <a:latin typeface="Cambria Math" panose="02040503050406030204" pitchFamily="18" charset="0"/>
+                          </a:rPr>
+                          <m:t>2</m:t>
+                        </m:r>
+                      </m:sub>
+                    </m:sSub>
+                    <m:r>
+                      <a:rPr lang="en-US" sz="2800" b="0" i="0" smtClean="0">
+                        <a:latin typeface="Cambria Math" panose="02040503050406030204" pitchFamily="18" charset="0"/>
+                      </a:rPr>
+                      <m:t>(</m:t>
+                    </m:r>
+                    <m:r>
+                      <a:rPr lang="en-US" sz="2800" b="0" i="1" smtClean="0">
+                        <a:latin typeface="Cambria Math" panose="02040503050406030204" pitchFamily="18" charset="0"/>
+                      </a:rPr>
+                      <m:t>𝐷𝑒𝑚𝑜𝑔𝑟𝑎𝑝h𝑖𝑐𝐶𝑜𝑛𝑡𝑟𝑜𝑙𝑠</m:t>
+                    </m:r>
+                  </m:oMath>
+                </a14:m>
+                <a:r>
+                  <a:rPr lang="en-US" sz="2800" dirty="0"/>
+                  <a:t>)</a:t>
+                </a:r>
+              </a:p>
+            </p:txBody>
+          </p:sp>
+        </mc:Choice>
+        <mc:Fallback>
+          <p:sp>
+            <p:nvSpPr>
+              <p:cNvPr id="3" name="Content Placeholder 2">
+                <a:extLst>
+                  <a:ext uri="{FF2B5EF4-FFF2-40B4-BE49-F238E27FC236}">
+                    <a16:creationId xmlns:a16="http://schemas.microsoft.com/office/drawing/2014/main" id="{A735D053-1A0A-DC47-B374-3BB59C178D21}"/>
+                  </a:ext>
+                </a:extLst>
+              </p:cNvPr>
+              <p:cNvSpPr>
+                <a:spLocks noGrp="1" noRot="1" noChangeAspect="1" noMove="1" noResize="1" noEditPoints="1" noAdjustHandles="1" noChangeArrowheads="1" noChangeShapeType="1" noTextEdit="1"/>
+              </p:cNvSpPr>
+              <p:nvPr>
+                <p:ph idx="1"/>
+              </p:nvPr>
+            </p:nvSpPr>
+            <p:spPr>
+              <a:xfrm>
+                <a:off x="1371600" y="1773044"/>
+                <a:ext cx="9601200" cy="3581400"/>
+              </a:xfrm>
+              <a:blipFill>
+                <a:blip r:embed="rId2"/>
+                <a:stretch>
+                  <a:fillRect l="-1058" t="-2473"/>
+                </a:stretch>
+              </a:blipFill>
+            </p:spPr>
+            <p:txBody>
+              <a:bodyPr/>
+              <a:lstStyle/>
+              <a:p>
+                <a:r>
+                  <a:rPr lang="en-US">
+                    <a:noFill/>
+                  </a:rPr>
+                  <a:t> </a:t>
+                </a:r>
+              </a:p>
+            </p:txBody>
+          </p:sp>
+        </mc:Fallback>
+      </mc:AlternateContent>
     </p:spTree>
     <p:extLst>
       <p:ext uri="{BB962C8B-B14F-4D97-AF65-F5344CB8AC3E}">
-        <p14:creationId xmlns:p14="http://schemas.microsoft.com/office/powerpoint/2010/main" val="3795658695"/>
+        <p14:creationId xmlns:p14="http://schemas.microsoft.com/office/powerpoint/2010/main" val="4001801810"/>
       </p:ext>
     </p:extLst>
   </p:cSld>
@@ -5129,27 +5862,32 @@
         </p:nvSpPr>
         <p:spPr>
           <a:xfrm>
-            <a:off x="1371600" y="1773044"/>
+            <a:off x="1371600" y="1594625"/>
             <a:ext cx="9601200" cy="3581400"/>
           </a:xfrm>
         </p:spPr>
         <p:txBody>
-          <a:bodyPr/>
+          <a:bodyPr>
+            <a:normAutofit/>
+          </a:bodyPr>
           <a:lstStyle/>
           <a:p>
             <a:r>
-              <a:rPr lang="en-US" dirty="0"/>
+              <a:rPr lang="en-US" sz="4800" dirty="0"/>
+              <a:t>OLS</a:t>
+            </a:r>
+          </a:p>
+          <a:p>
+            <a:r>
+              <a:rPr lang="en-US" sz="4800" dirty="0"/>
               <a:t>Decision Trees</a:t>
             </a:r>
           </a:p>
           <a:p>
             <a:r>
-              <a:rPr lang="en-US" dirty="0"/>
-              <a:t>K-Nearest Neighbors (school-level)</a:t>
-            </a:r>
-          </a:p>
-          <a:p>
-            <a:endParaRPr lang="en-US" dirty="0"/>
+              <a:rPr lang="en-US" sz="4800" dirty="0"/>
+              <a:t>Random Forests</a:t>
+            </a:r>
           </a:p>
         </p:txBody>
       </p:sp>
@@ -5188,7 +5926,7 @@
           <p:cNvPr id="2" name="Title 1">
             <a:extLst>
               <a:ext uri="{FF2B5EF4-FFF2-40B4-BE49-F238E27FC236}">
-                <a16:creationId xmlns:a16="http://schemas.microsoft.com/office/drawing/2014/main" id="{55AA0770-D06F-2348-B24F-9122EFCF92AB}"/>
+                <a16:creationId xmlns:a16="http://schemas.microsoft.com/office/drawing/2014/main" id="{E9CC6A43-9A44-B741-AF7D-2F5ADC92AA4C}"/>
               </a:ext>
             </a:extLst>
           </p:cNvPr>
@@ -5206,7 +5944,14 @@
           <a:p>
             <a:r>
               <a:rPr lang="en-US" b="1" u="sng" dirty="0"/>
-              <a:t>METHODS &amp; MODELS</a:t>
+              <a:t>HYPOTHESES &amp;</a:t>
+            </a:r>
+            <a:br>
+              <a:rPr lang="en-US" b="1" u="sng" dirty="0"/>
+            </a:br>
+            <a:r>
+              <a:rPr lang="en-US" b="1" u="sng" dirty="0"/>
+              <a:t>ANTICIPATED CHALLENGES:</a:t>
             </a:r>
           </a:p>
         </p:txBody>
@@ -5216,7 +5961,7 @@
           <p:cNvPr id="3" name="Content Placeholder 2">
             <a:extLst>
               <a:ext uri="{FF2B5EF4-FFF2-40B4-BE49-F238E27FC236}">
-                <a16:creationId xmlns:a16="http://schemas.microsoft.com/office/drawing/2014/main" id="{A735D053-1A0A-DC47-B374-3BB59C178D21}"/>
+                <a16:creationId xmlns:a16="http://schemas.microsoft.com/office/drawing/2014/main" id="{60E05E4B-721D-3B46-9513-0AF784881968}"/>
               </a:ext>
             </a:extLst>
           </p:cNvPr>
@@ -5227,19 +5972,35 @@
             <p:ph idx="1"/>
           </p:nvPr>
         </p:nvSpPr>
-        <p:spPr/>
-        <p:txBody>
-          <a:bodyPr/>
+        <p:spPr>
+          <a:xfrm>
+            <a:off x="1371600" y="2171700"/>
+            <a:ext cx="9601200" cy="3581400"/>
+          </a:xfrm>
+        </p:spPr>
+        <p:txBody>
+          <a:bodyPr>
+            <a:normAutofit/>
+          </a:bodyPr>
           <a:lstStyle/>
           <a:p>
-            <a:endParaRPr lang="en-US"/>
+            <a:r>
+              <a:rPr lang="en-US" sz="2800" dirty="0"/>
+              <a:t>Would ideally have liked to have done a study on racial matching</a:t>
+            </a:r>
+          </a:p>
+          <a:p>
+            <a:r>
+              <a:rPr lang="en-US" sz="2800" dirty="0"/>
+              <a:t>Would anticipate that once a “critical mass” of teachers/administrators of color are reached in a school, college persistence rates increase</a:t>
+            </a:r>
           </a:p>
         </p:txBody>
       </p:sp>
     </p:spTree>
     <p:extLst>
       <p:ext uri="{BB962C8B-B14F-4D97-AF65-F5344CB8AC3E}">
-        <p14:creationId xmlns:p14="http://schemas.microsoft.com/office/powerpoint/2010/main" val="4001801810"/>
+        <p14:creationId xmlns:p14="http://schemas.microsoft.com/office/powerpoint/2010/main" val="249412487"/>
       </p:ext>
     </p:extLst>
   </p:cSld>

--- a/Proposal/proposal_slides.pptx
+++ b/Proposal/proposal_slides.pptx
@@ -3822,8 +3822,8 @@
         </p:nvSpPr>
         <p:spPr>
           <a:xfrm>
-            <a:off x="1226635" y="1471962"/>
-            <a:ext cx="9556594" cy="2352907"/>
+            <a:off x="1226635" y="1583473"/>
+            <a:ext cx="9556594" cy="1839952"/>
           </a:xfrm>
         </p:spPr>
         <p:txBody>
@@ -3841,12 +3841,8 @@
               <a:rPr lang="en-US" sz="4000" b="1" dirty="0"/>
             </a:br>
             <a:r>
-              <a:rPr lang="en-US" sz="4000" b="1" dirty="0" err="1"/>
-              <a:t>RAcial</a:t>
-            </a:r>
-            <a:r>
               <a:rPr lang="en-US" sz="4000" b="1" dirty="0"/>
-              <a:t> representation among k-12 teachers &amp; administrators</a:t>
+              <a:t>An application of the critical mass theory </a:t>
             </a:r>
           </a:p>
         </p:txBody>
@@ -5090,8 +5086,29 @@
           <a:p>
             <a:r>
               <a:rPr lang="en-US" sz="3200" b="1" dirty="0"/>
-              <a:t>Demographic Traits</a:t>
-            </a:r>
+              <a:t>Demographic Traits </a:t>
+            </a:r>
+            <a:r>
+              <a:rPr lang="en-US" sz="1800" dirty="0"/>
+              <a:t>(</a:t>
+            </a:r>
+            <a:r>
+              <a:rPr lang="en-US" sz="1800" dirty="0" err="1"/>
+              <a:t>Astin</a:t>
+            </a:r>
+            <a:r>
+              <a:rPr lang="en-US" sz="1800" dirty="0"/>
+              <a:t> 1975; St. John, Hu, Simmons, </a:t>
+            </a:r>
+            <a:r>
+              <a:rPr lang="en-US" sz="1800" dirty="0" err="1"/>
+              <a:t>Musoba</a:t>
+            </a:r>
+            <a:r>
+              <a:rPr lang="en-US" sz="1800" dirty="0"/>
+              <a:t> 2001)</a:t>
+            </a:r>
+            <a:endParaRPr lang="en-US" sz="3200" b="1" dirty="0"/>
           </a:p>
           <a:p>
             <a:r>
@@ -5103,12 +5120,12 @@
               <a:t>(</a:t>
             </a:r>
             <a:r>
-              <a:rPr lang="en-US" sz="1800"/>
-              <a:t>Trapmann, </a:t>
+              <a:rPr lang="en-US" sz="1800" dirty="0" err="1"/>
+              <a:t>Trapmann</a:t>
             </a:r>
             <a:r>
               <a:rPr lang="en-US" sz="1800" dirty="0"/>
-              <a:t>Hell, </a:t>
+              <a:t>, Hell, </a:t>
             </a:r>
             <a:r>
               <a:rPr lang="en-US" sz="1800" dirty="0" err="1"/>
@@ -5116,7 +5133,15 @@
             </a:r>
             <a:r>
               <a:rPr lang="en-US" sz="1800" dirty="0"/>
-              <a:t>, Schuler 2007)</a:t>
+              <a:t>, Schuler 2007; Oswald, Schmitt, Kim, Ramsay, </a:t>
+            </a:r>
+            <a:r>
+              <a:rPr lang="en-US" sz="1800" dirty="0" err="1"/>
+              <a:t>Gillepsie</a:t>
+            </a:r>
+            <a:r>
+              <a:rPr lang="en-US" sz="1800" dirty="0"/>
+              <a:t> 2004)</a:t>
             </a:r>
             <a:endParaRPr lang="en-US" sz="1800" b="1" dirty="0"/>
           </a:p>
@@ -5427,7 +5452,7 @@
         </p:spPr>
         <p:txBody>
           <a:bodyPr>
-            <a:normAutofit/>
+            <a:normAutofit lnSpcReduction="10000"/>
           </a:bodyPr>
           <a:lstStyle/>
           <a:p>
@@ -5493,6 +5518,17 @@
                 </a:schemeClr>
               </a:solidFill>
             </a:endParaRPr>
+          </a:p>
+          <a:p>
+            <a:r>
+              <a:rPr lang="en-US" sz="3200" b="1" dirty="0"/>
+              <a:t>Other Demographics &amp; School-Level Data:</a:t>
+            </a:r>
+            <a:r>
+              <a:rPr lang="en-US" sz="3200" dirty="0"/>
+              <a:t> Chicago Public Schools</a:t>
+            </a:r>
+            <a:endParaRPr lang="en-US" sz="3200" b="1" dirty="0"/>
           </a:p>
           <a:p>
             <a:r>
@@ -5880,13 +5916,13 @@
           <a:p>
             <a:r>
               <a:rPr lang="en-US" sz="4800" dirty="0"/>
-              <a:t>Decision Trees</a:t>
+              <a:t>Decision Tree</a:t>
             </a:r>
           </a:p>
           <a:p>
             <a:r>
               <a:rPr lang="en-US" sz="4800" dirty="0"/>
-              <a:t>Random Forests</a:t>
+              <a:t>Random Forest</a:t>
             </a:r>
           </a:p>
         </p:txBody>
@@ -5944,14 +5980,7 @@
           <a:p>
             <a:r>
               <a:rPr lang="en-US" b="1" u="sng" dirty="0"/>
-              <a:t>HYPOTHESES &amp;</a:t>
-            </a:r>
-            <a:br>
-              <a:rPr lang="en-US" b="1" u="sng" dirty="0"/>
-            </a:br>
-            <a:r>
-              <a:rPr lang="en-US" b="1" u="sng" dirty="0"/>
-              <a:t>ANTICIPATED CHALLENGES:</a:t>
+              <a:t>ANTICIPATED CHALLENGES &amp; EXTENSIONS:</a:t>
             </a:r>
           </a:p>
         </p:txBody>
@@ -5986,13 +6015,25 @@
           <a:p>
             <a:r>
               <a:rPr lang="en-US" sz="2800" dirty="0"/>
-              <a:t>Would ideally have liked to have done a study on racial matching</a:t>
+              <a:t>Imputing race based on names</a:t>
             </a:r>
           </a:p>
           <a:p>
             <a:r>
               <a:rPr lang="en-US" sz="2800" dirty="0"/>
-              <a:t>Would anticipate that once a “critical mass” of teachers/administrators of color are reached in a school, college persistence rates increase</a:t>
+              <a:t>Analysis on every school district in the U.S.</a:t>
+            </a:r>
+          </a:p>
+          <a:p>
+            <a:r>
+              <a:rPr lang="en-US" sz="2800" dirty="0"/>
+              <a:t>Ideal: student-teacher racial matching </a:t>
+            </a:r>
+          </a:p>
+          <a:p>
+            <a:r>
+              <a:rPr lang="en-US" sz="2800" dirty="0"/>
+              <a:t>Hypothesis: A “critical mass” of teachers/administrators of color at a school will be associated with higher college retention/persistence levels in that school’s graduates</a:t>
             </a:r>
           </a:p>
         </p:txBody>
